--- a/docs/slides/Shakespeare's Places.pptx
+++ b/docs/slides/Shakespeare's Places.pptx
@@ -6,6 +6,12 @@
   </p:sldMasterIdLst>
   <p:sldIdLst>
     <p:sldId id="256" r:id="rId2"/>
+    <p:sldId id="257" r:id="rId3"/>
+    <p:sldId id="258" r:id="rId4"/>
+    <p:sldId id="259" r:id="rId5"/>
+    <p:sldId id="260" r:id="rId6"/>
+    <p:sldId id="261" r:id="rId7"/>
+    <p:sldId id="262" r:id="rId8"/>
   </p:sldIdLst>
   <p:sldSz cx="12192000" cy="6858000"/>
   <p:notesSz cx="6858000" cy="9144000"/>
@@ -104,7 +110,339 @@
       </a:defRPr>
     </a:lvl9pPr>
   </p:defaultTextStyle>
+  <p:extLst>
+    <p:ext uri="{EFAFB233-063F-42B5-8137-9DF3F51BA10A}">
+      <p15:sldGuideLst xmlns:p15="http://schemas.microsoft.com/office/powerpoint/2012/main"/>
+    </p:ext>
+  </p:extLst>
 </p:presentation>
+</file>
+
+<file path=ppt/revisionInfo.xml><?xml version="1.0" encoding="utf-8"?>
+<p1510:revInfo xmlns:a="http://schemas.openxmlformats.org/drawingml/2006/main" xmlns:r="http://schemas.openxmlformats.org/officeDocument/2006/relationships" xmlns:p1510="http://schemas.microsoft.com/office/powerpoint/2015/10/main">
+  <p1510:revLst>
+    <p1510:client id="{2DD3C612-5461-4CCE-AA49-88A8DEDF7D3D}" v="4" dt="2025-01-29T17:49:01.015"/>
+  </p1510:revLst>
+</p1510:revInfo>
+</file>
+
+<file path=ppt/changesInfos/changesInfo1.xml><?xml version="1.0" encoding="utf-8"?>
+<pc:chgInfo xmlns:a="http://schemas.openxmlformats.org/drawingml/2006/main" xmlns:r="http://schemas.openxmlformats.org/officeDocument/2006/relationships" xmlns:ac="http://schemas.microsoft.com/office/drawing/2013/main/command" xmlns:pc="http://schemas.microsoft.com/office/powerpoint/2013/main/command">
+  <pc:docChgLst>
+    <pc:chgData name="Simone Cecire" userId="c58f73d820186008" providerId="LiveId" clId="{2DD3C612-5461-4CCE-AA49-88A8DEDF7D3D}"/>
+    <pc:docChg chg="undo custSel addSld modSld">
+      <pc:chgData name="Simone Cecire" userId="c58f73d820186008" providerId="LiveId" clId="{2DD3C612-5461-4CCE-AA49-88A8DEDF7D3D}" dt="2025-01-29T18:17:29.675" v="2840" actId="20577"/>
+      <pc:docMkLst>
+        <pc:docMk/>
+      </pc:docMkLst>
+      <pc:sldChg chg="modSp mod">
+        <pc:chgData name="Simone Cecire" userId="c58f73d820186008" providerId="LiveId" clId="{2DD3C612-5461-4CCE-AA49-88A8DEDF7D3D}" dt="2025-01-29T15:58:23.242" v="1" actId="313"/>
+        <pc:sldMkLst>
+          <pc:docMk/>
+          <pc:sldMk cId="3170923542" sldId="256"/>
+        </pc:sldMkLst>
+        <pc:spChg chg="mod">
+          <ac:chgData name="Simone Cecire" userId="c58f73d820186008" providerId="LiveId" clId="{2DD3C612-5461-4CCE-AA49-88A8DEDF7D3D}" dt="2025-01-29T15:58:23.242" v="1" actId="313"/>
+          <ac:spMkLst>
+            <pc:docMk/>
+            <pc:sldMk cId="3170923542" sldId="256"/>
+            <ac:spMk id="2" creationId="{D6970DF6-BE9D-9CE4-C397-A3CD607BBD23}"/>
+          </ac:spMkLst>
+        </pc:spChg>
+      </pc:sldChg>
+      <pc:sldChg chg="modSp new mod">
+        <pc:chgData name="Simone Cecire" userId="c58f73d820186008" providerId="LiveId" clId="{2DD3C612-5461-4CCE-AA49-88A8DEDF7D3D}" dt="2025-01-29T18:02:08.813" v="2530" actId="20577"/>
+        <pc:sldMkLst>
+          <pc:docMk/>
+          <pc:sldMk cId="4185214454" sldId="257"/>
+        </pc:sldMkLst>
+        <pc:spChg chg="mod">
+          <ac:chgData name="Simone Cecire" userId="c58f73d820186008" providerId="LiveId" clId="{2DD3C612-5461-4CCE-AA49-88A8DEDF7D3D}" dt="2025-01-29T15:58:39.180" v="18" actId="20577"/>
+          <ac:spMkLst>
+            <pc:docMk/>
+            <pc:sldMk cId="4185214454" sldId="257"/>
+            <ac:spMk id="2" creationId="{D5D97046-CC2B-1044-DE4B-B1036CCC8786}"/>
+          </ac:spMkLst>
+        </pc:spChg>
+        <pc:spChg chg="mod">
+          <ac:chgData name="Simone Cecire" userId="c58f73d820186008" providerId="LiveId" clId="{2DD3C612-5461-4CCE-AA49-88A8DEDF7D3D}" dt="2025-01-29T18:02:08.813" v="2530" actId="20577"/>
+          <ac:spMkLst>
+            <pc:docMk/>
+            <pc:sldMk cId="4185214454" sldId="257"/>
+            <ac:spMk id="3" creationId="{FA485E1F-33C2-4304-97F6-85AC5F962ACE}"/>
+          </ac:spMkLst>
+        </pc:spChg>
+      </pc:sldChg>
+      <pc:sldChg chg="modSp new mod">
+        <pc:chgData name="Simone Cecire" userId="c58f73d820186008" providerId="LiveId" clId="{2DD3C612-5461-4CCE-AA49-88A8DEDF7D3D}" dt="2025-01-29T18:14:20.173" v="2822" actId="20577"/>
+        <pc:sldMkLst>
+          <pc:docMk/>
+          <pc:sldMk cId="1295445630" sldId="258"/>
+        </pc:sldMkLst>
+        <pc:spChg chg="mod">
+          <ac:chgData name="Simone Cecire" userId="c58f73d820186008" providerId="LiveId" clId="{2DD3C612-5461-4CCE-AA49-88A8DEDF7D3D}" dt="2025-01-29T16:04:20.760" v="106" actId="20577"/>
+          <ac:spMkLst>
+            <pc:docMk/>
+            <pc:sldMk cId="1295445630" sldId="258"/>
+            <ac:spMk id="2" creationId="{97BDA648-A2A4-F099-339F-B4D6528A7C44}"/>
+          </ac:spMkLst>
+        </pc:spChg>
+        <pc:spChg chg="mod">
+          <ac:chgData name="Simone Cecire" userId="c58f73d820186008" providerId="LiveId" clId="{2DD3C612-5461-4CCE-AA49-88A8DEDF7D3D}" dt="2025-01-29T18:14:20.173" v="2822" actId="20577"/>
+          <ac:spMkLst>
+            <pc:docMk/>
+            <pc:sldMk cId="1295445630" sldId="258"/>
+            <ac:spMk id="3" creationId="{D4EE7F75-E9CB-28A1-FD14-FF6AA916CA1F}"/>
+          </ac:spMkLst>
+        </pc:spChg>
+      </pc:sldChg>
+      <pc:sldChg chg="modSp new mod">
+        <pc:chgData name="Simone Cecire" userId="c58f73d820186008" providerId="LiveId" clId="{2DD3C612-5461-4CCE-AA49-88A8DEDF7D3D}" dt="2025-01-29T16:57:16.821" v="1425" actId="20577"/>
+        <pc:sldMkLst>
+          <pc:docMk/>
+          <pc:sldMk cId="1200927252" sldId="259"/>
+        </pc:sldMkLst>
+        <pc:spChg chg="mod">
+          <ac:chgData name="Simone Cecire" userId="c58f73d820186008" providerId="LiveId" clId="{2DD3C612-5461-4CCE-AA49-88A8DEDF7D3D}" dt="2025-01-29T16:57:16.821" v="1425" actId="20577"/>
+          <ac:spMkLst>
+            <pc:docMk/>
+            <pc:sldMk cId="1200927252" sldId="259"/>
+            <ac:spMk id="2" creationId="{950A12F7-EFE2-D580-E062-4FF0BAC2C921}"/>
+          </ac:spMkLst>
+        </pc:spChg>
+      </pc:sldChg>
+      <pc:sldChg chg="modSp new mod">
+        <pc:chgData name="Simone Cecire" userId="c58f73d820186008" providerId="LiveId" clId="{2DD3C612-5461-4CCE-AA49-88A8DEDF7D3D}" dt="2025-01-29T18:17:29.675" v="2840" actId="20577"/>
+        <pc:sldMkLst>
+          <pc:docMk/>
+          <pc:sldMk cId="427733898" sldId="260"/>
+        </pc:sldMkLst>
+        <pc:spChg chg="mod">
+          <ac:chgData name="Simone Cecire" userId="c58f73d820186008" providerId="LiveId" clId="{2DD3C612-5461-4CCE-AA49-88A8DEDF7D3D}" dt="2025-01-29T16:57:38.156" v="1472" actId="20577"/>
+          <ac:spMkLst>
+            <pc:docMk/>
+            <pc:sldMk cId="427733898" sldId="260"/>
+            <ac:spMk id="2" creationId="{8A2BAB9E-D5F8-5DA6-0818-459FAB71B314}"/>
+          </ac:spMkLst>
+        </pc:spChg>
+        <pc:spChg chg="mod">
+          <ac:chgData name="Simone Cecire" userId="c58f73d820186008" providerId="LiveId" clId="{2DD3C612-5461-4CCE-AA49-88A8DEDF7D3D}" dt="2025-01-29T18:17:29.675" v="2840" actId="20577"/>
+          <ac:spMkLst>
+            <pc:docMk/>
+            <pc:sldMk cId="427733898" sldId="260"/>
+            <ac:spMk id="3" creationId="{97DE8D40-32F7-71B2-1FEE-05623983497F}"/>
+          </ac:spMkLst>
+        </pc:spChg>
+      </pc:sldChg>
+      <pc:sldChg chg="addSp delSp modSp new mod setBg">
+        <pc:chgData name="Simone Cecire" userId="c58f73d820186008" providerId="LiveId" clId="{2DD3C612-5461-4CCE-AA49-88A8DEDF7D3D}" dt="2025-01-29T17:49:02.397" v="2183" actId="26606"/>
+        <pc:sldMkLst>
+          <pc:docMk/>
+          <pc:sldMk cId="3280784441" sldId="261"/>
+        </pc:sldMkLst>
+        <pc:spChg chg="mod">
+          <ac:chgData name="Simone Cecire" userId="c58f73d820186008" providerId="LiveId" clId="{2DD3C612-5461-4CCE-AA49-88A8DEDF7D3D}" dt="2025-01-29T17:44:32.537" v="2177" actId="26606"/>
+          <ac:spMkLst>
+            <pc:docMk/>
+            <pc:sldMk cId="3280784441" sldId="261"/>
+            <ac:spMk id="2" creationId="{95504341-239D-A30A-A345-A1DFE46AD5A9}"/>
+          </ac:spMkLst>
+        </pc:spChg>
+        <pc:spChg chg="del">
+          <ac:chgData name="Simone Cecire" userId="c58f73d820186008" providerId="LiveId" clId="{2DD3C612-5461-4CCE-AA49-88A8DEDF7D3D}" dt="2025-01-29T17:43:59.753" v="2139" actId="478"/>
+          <ac:spMkLst>
+            <pc:docMk/>
+            <pc:sldMk cId="3280784441" sldId="261"/>
+            <ac:spMk id="3" creationId="{829215D0-2E6D-F476-7DBE-5527D6EA3DEF}"/>
+          </ac:spMkLst>
+        </pc:spChg>
+        <pc:spChg chg="add del">
+          <ac:chgData name="Simone Cecire" userId="c58f73d820186008" providerId="LiveId" clId="{2DD3C612-5461-4CCE-AA49-88A8DEDF7D3D}" dt="2025-01-29T17:44:32.537" v="2177" actId="26606"/>
+          <ac:spMkLst>
+            <pc:docMk/>
+            <pc:sldMk cId="3280784441" sldId="261"/>
+            <ac:spMk id="10" creationId="{F240A2FC-E2C3-458D-96B4-5DF9028D93A5}"/>
+          </ac:spMkLst>
+        </pc:spChg>
+        <pc:spChg chg="add del">
+          <ac:chgData name="Simone Cecire" userId="c58f73d820186008" providerId="LiveId" clId="{2DD3C612-5461-4CCE-AA49-88A8DEDF7D3D}" dt="2025-01-29T17:44:32.537" v="2177" actId="26606"/>
+          <ac:spMkLst>
+            <pc:docMk/>
+            <pc:sldMk cId="3280784441" sldId="261"/>
+            <ac:spMk id="12" creationId="{5F097929-F3D6-4D1F-8AFC-CF348171A9E1}"/>
+          </ac:spMkLst>
+        </pc:spChg>
+        <pc:spChg chg="add del">
+          <ac:chgData name="Simone Cecire" userId="c58f73d820186008" providerId="LiveId" clId="{2DD3C612-5461-4CCE-AA49-88A8DEDF7D3D}" dt="2025-01-29T17:44:32.537" v="2177" actId="26606"/>
+          <ac:spMkLst>
+            <pc:docMk/>
+            <pc:sldMk cId="3280784441" sldId="261"/>
+            <ac:spMk id="16" creationId="{33428ACC-71EC-4171-9527-10983BA6B41D}"/>
+          </ac:spMkLst>
+        </pc:spChg>
+        <pc:spChg chg="add del">
+          <ac:chgData name="Simone Cecire" userId="c58f73d820186008" providerId="LiveId" clId="{2DD3C612-5461-4CCE-AA49-88A8DEDF7D3D}" dt="2025-01-29T17:44:32.537" v="2177" actId="26606"/>
+          <ac:spMkLst>
+            <pc:docMk/>
+            <pc:sldMk cId="3280784441" sldId="261"/>
+            <ac:spMk id="20" creationId="{2B9BBBC4-97A3-47D2-BFFE-A68530CDB9DC}"/>
+          </ac:spMkLst>
+        </pc:spChg>
+        <pc:spChg chg="add del">
+          <ac:chgData name="Simone Cecire" userId="c58f73d820186008" providerId="LiveId" clId="{2DD3C612-5461-4CCE-AA49-88A8DEDF7D3D}" dt="2025-01-29T17:44:32.537" v="2177" actId="26606"/>
+          <ac:spMkLst>
+            <pc:docMk/>
+            <pc:sldMk cId="3280784441" sldId="261"/>
+            <ac:spMk id="22" creationId="{78967BEA-EA6A-4FF1-94E2-B010B61A36A9}"/>
+          </ac:spMkLst>
+        </pc:spChg>
+        <pc:spChg chg="del">
+          <ac:chgData name="Simone Cecire" userId="c58f73d820186008" providerId="LiveId" clId="{2DD3C612-5461-4CCE-AA49-88A8DEDF7D3D}" dt="2025-01-29T17:49:02.397" v="2183" actId="26606"/>
+          <ac:spMkLst>
+            <pc:docMk/>
+            <pc:sldMk cId="3280784441" sldId="261"/>
+            <ac:spMk id="27" creationId="{F240A2FC-E2C3-458D-96B4-5DF9028D93A5}"/>
+          </ac:spMkLst>
+        </pc:spChg>
+        <pc:spChg chg="add del">
+          <ac:chgData name="Simone Cecire" userId="c58f73d820186008" providerId="LiveId" clId="{2DD3C612-5461-4CCE-AA49-88A8DEDF7D3D}" dt="2025-01-29T17:49:02.397" v="2183" actId="26606"/>
+          <ac:spMkLst>
+            <pc:docMk/>
+            <pc:sldMk cId="3280784441" sldId="261"/>
+            <ac:spMk id="29" creationId="{5F097929-F3D6-4D1F-8AFC-CF348171A9E1}"/>
+          </ac:spMkLst>
+        </pc:spChg>
+        <pc:spChg chg="add del">
+          <ac:chgData name="Simone Cecire" userId="c58f73d820186008" providerId="LiveId" clId="{2DD3C612-5461-4CCE-AA49-88A8DEDF7D3D}" dt="2025-01-29T17:49:02.397" v="2183" actId="26606"/>
+          <ac:spMkLst>
+            <pc:docMk/>
+            <pc:sldMk cId="3280784441" sldId="261"/>
+            <ac:spMk id="33" creationId="{33428ACC-71EC-4171-9527-10983BA6B41D}"/>
+          </ac:spMkLst>
+        </pc:spChg>
+        <pc:spChg chg="add del">
+          <ac:chgData name="Simone Cecire" userId="c58f73d820186008" providerId="LiveId" clId="{2DD3C612-5461-4CCE-AA49-88A8DEDF7D3D}" dt="2025-01-29T17:49:02.397" v="2183" actId="26606"/>
+          <ac:spMkLst>
+            <pc:docMk/>
+            <pc:sldMk cId="3280784441" sldId="261"/>
+            <ac:spMk id="37" creationId="{2B9BBBC4-97A3-47D2-BFFE-A68530CDB9DC}"/>
+          </ac:spMkLst>
+        </pc:spChg>
+        <pc:spChg chg="add del">
+          <ac:chgData name="Simone Cecire" userId="c58f73d820186008" providerId="LiveId" clId="{2DD3C612-5461-4CCE-AA49-88A8DEDF7D3D}" dt="2025-01-29T17:49:02.397" v="2183" actId="26606"/>
+          <ac:spMkLst>
+            <pc:docMk/>
+            <pc:sldMk cId="3280784441" sldId="261"/>
+            <ac:spMk id="39" creationId="{78967BEA-EA6A-4FF1-94E2-B010B61A36A9}"/>
+          </ac:spMkLst>
+        </pc:spChg>
+        <pc:spChg chg="add">
+          <ac:chgData name="Simone Cecire" userId="c58f73d820186008" providerId="LiveId" clId="{2DD3C612-5461-4CCE-AA49-88A8DEDF7D3D}" dt="2025-01-29T17:49:02.397" v="2183" actId="26606"/>
+          <ac:spMkLst>
+            <pc:docMk/>
+            <pc:sldMk cId="3280784441" sldId="261"/>
+            <ac:spMk id="44" creationId="{F240A2FC-E2C3-458D-96B4-5DF9028D93A5}"/>
+          </ac:spMkLst>
+        </pc:spChg>
+        <pc:spChg chg="add">
+          <ac:chgData name="Simone Cecire" userId="c58f73d820186008" providerId="LiveId" clId="{2DD3C612-5461-4CCE-AA49-88A8DEDF7D3D}" dt="2025-01-29T17:49:02.397" v="2183" actId="26606"/>
+          <ac:spMkLst>
+            <pc:docMk/>
+            <pc:sldMk cId="3280784441" sldId="261"/>
+            <ac:spMk id="46" creationId="{5F097929-F3D6-4D1F-8AFC-CF348171A9E1}"/>
+          </ac:spMkLst>
+        </pc:spChg>
+        <pc:spChg chg="add">
+          <ac:chgData name="Simone Cecire" userId="c58f73d820186008" providerId="LiveId" clId="{2DD3C612-5461-4CCE-AA49-88A8DEDF7D3D}" dt="2025-01-29T17:49:02.397" v="2183" actId="26606"/>
+          <ac:spMkLst>
+            <pc:docMk/>
+            <pc:sldMk cId="3280784441" sldId="261"/>
+            <ac:spMk id="50" creationId="{33428ACC-71EC-4171-9527-10983BA6B41D}"/>
+          </ac:spMkLst>
+        </pc:spChg>
+        <pc:spChg chg="add">
+          <ac:chgData name="Simone Cecire" userId="c58f73d820186008" providerId="LiveId" clId="{2DD3C612-5461-4CCE-AA49-88A8DEDF7D3D}" dt="2025-01-29T17:49:02.397" v="2183" actId="26606"/>
+          <ac:spMkLst>
+            <pc:docMk/>
+            <pc:sldMk cId="3280784441" sldId="261"/>
+            <ac:spMk id="54" creationId="{2B9BBBC4-97A3-47D2-BFFE-A68530CDB9DC}"/>
+          </ac:spMkLst>
+        </pc:spChg>
+        <pc:spChg chg="add">
+          <ac:chgData name="Simone Cecire" userId="c58f73d820186008" providerId="LiveId" clId="{2DD3C612-5461-4CCE-AA49-88A8DEDF7D3D}" dt="2025-01-29T17:49:02.397" v="2183" actId="26606"/>
+          <ac:spMkLst>
+            <pc:docMk/>
+            <pc:sldMk cId="3280784441" sldId="261"/>
+            <ac:spMk id="56" creationId="{78967BEA-EA6A-4FF1-94E2-B010B61A36A9}"/>
+          </ac:spMkLst>
+        </pc:spChg>
+        <pc:picChg chg="add del mod">
+          <ac:chgData name="Simone Cecire" userId="c58f73d820186008" providerId="LiveId" clId="{2DD3C612-5461-4CCE-AA49-88A8DEDF7D3D}" dt="2025-01-29T17:49:00.680" v="2179" actId="478"/>
+          <ac:picMkLst>
+            <pc:docMk/>
+            <pc:sldMk cId="3280784441" sldId="261"/>
+            <ac:picMk id="5" creationId="{BF15841B-60F8-4688-EF71-EB3057725355}"/>
+          </ac:picMkLst>
+        </pc:picChg>
+        <pc:picChg chg="add mod">
+          <ac:chgData name="Simone Cecire" userId="c58f73d820186008" providerId="LiveId" clId="{2DD3C612-5461-4CCE-AA49-88A8DEDF7D3D}" dt="2025-01-29T17:48:58.387" v="2178"/>
+          <ac:picMkLst>
+            <pc:docMk/>
+            <pc:sldMk cId="3280784441" sldId="261"/>
+            <ac:picMk id="7" creationId="{6F5390F9-E6F3-1819-2DDC-1E57E332F4D6}"/>
+          </ac:picMkLst>
+        </pc:picChg>
+        <pc:picChg chg="add mod">
+          <ac:chgData name="Simone Cecire" userId="c58f73d820186008" providerId="LiveId" clId="{2DD3C612-5461-4CCE-AA49-88A8DEDF7D3D}" dt="2025-01-29T17:49:01.700" v="2182" actId="962"/>
+          <ac:picMkLst>
+            <pc:docMk/>
+            <pc:sldMk cId="3280784441" sldId="261"/>
+            <ac:picMk id="9" creationId="{D96DC775-33DF-6030-C39C-851749F5723D}"/>
+          </ac:picMkLst>
+        </pc:picChg>
+        <pc:cxnChg chg="add">
+          <ac:chgData name="Simone Cecire" userId="c58f73d820186008" providerId="LiveId" clId="{2DD3C612-5461-4CCE-AA49-88A8DEDF7D3D}" dt="2025-01-29T17:44:12.169" v="2143" actId="26606"/>
+          <ac:cxnSpMkLst>
+            <pc:docMk/>
+            <pc:sldMk cId="3280784441" sldId="261"/>
+            <ac:cxnSpMk id="14" creationId="{43074C91-9045-414B-B5F9-567DAE3EED25}"/>
+          </ac:cxnSpMkLst>
+        </pc:cxnChg>
+        <pc:cxnChg chg="add">
+          <ac:chgData name="Simone Cecire" userId="c58f73d820186008" providerId="LiveId" clId="{2DD3C612-5461-4CCE-AA49-88A8DEDF7D3D}" dt="2025-01-29T17:44:12.169" v="2143" actId="26606"/>
+          <ac:cxnSpMkLst>
+            <pc:docMk/>
+            <pc:sldMk cId="3280784441" sldId="261"/>
+            <ac:cxnSpMk id="18" creationId="{BA22713B-ABB6-4391-97F9-0449A2B9B664}"/>
+          </ac:cxnSpMkLst>
+        </pc:cxnChg>
+      </pc:sldChg>
+      <pc:sldChg chg="modSp new mod">
+        <pc:chgData name="Simone Cecire" userId="c58f73d820186008" providerId="LiveId" clId="{2DD3C612-5461-4CCE-AA49-88A8DEDF7D3D}" dt="2025-01-29T18:09:16.844" v="2717" actId="20577"/>
+        <pc:sldMkLst>
+          <pc:docMk/>
+          <pc:sldMk cId="1365463796" sldId="262"/>
+        </pc:sldMkLst>
+        <pc:spChg chg="mod">
+          <ac:chgData name="Simone Cecire" userId="c58f73d820186008" providerId="LiveId" clId="{2DD3C612-5461-4CCE-AA49-88A8DEDF7D3D}" dt="2025-01-29T18:01:11.954" v="2446" actId="20577"/>
+          <ac:spMkLst>
+            <pc:docMk/>
+            <pc:sldMk cId="1365463796" sldId="262"/>
+            <ac:spMk id="2" creationId="{819BD3AA-48CB-8E87-2AD6-A80B0F4382A9}"/>
+          </ac:spMkLst>
+        </pc:spChg>
+        <pc:spChg chg="mod">
+          <ac:chgData name="Simone Cecire" userId="c58f73d820186008" providerId="LiveId" clId="{2DD3C612-5461-4CCE-AA49-88A8DEDF7D3D}" dt="2025-01-29T18:09:16.844" v="2717" actId="20577"/>
+          <ac:spMkLst>
+            <pc:docMk/>
+            <pc:sldMk cId="1365463796" sldId="262"/>
+            <ac:spMk id="3" creationId="{912925AF-C9AE-3071-5B3C-EB8E55D797C8}"/>
+          </ac:spMkLst>
+        </pc:spChg>
+      </pc:sldChg>
+    </pc:docChg>
+  </pc:docChgLst>
+</pc:chgInfo>
 </file>
 
 <file path=ppt/slideLayouts/slideLayout1.xml><?xml version="1.0" encoding="utf-8"?>
@@ -3814,6 +4152,1877 @@
 </p:sld>
 </file>
 
+<file path=ppt/slides/slide2.xml><?xml version="1.0" encoding="utf-8"?>
+<p:sld xmlns:a="http://schemas.openxmlformats.org/drawingml/2006/main" xmlns:r="http://schemas.openxmlformats.org/officeDocument/2006/relationships" xmlns:p="http://schemas.openxmlformats.org/presentationml/2006/main">
+  <p:cSld>
+    <p:spTree>
+      <p:nvGrpSpPr>
+        <p:cNvPr id="1" name=""/>
+        <p:cNvGrpSpPr/>
+        <p:nvPr/>
+      </p:nvGrpSpPr>
+      <p:grpSpPr>
+        <a:xfrm>
+          <a:off x="0" y="0"/>
+          <a:ext cx="0" cy="0"/>
+          <a:chOff x="0" y="0"/>
+          <a:chExt cx="0" cy="0"/>
+        </a:xfrm>
+      </p:grpSpPr>
+      <p:sp>
+        <p:nvSpPr>
+          <p:cNvPr id="2" name="Titolo 1">
+            <a:extLst>
+              <a:ext uri="{FF2B5EF4-FFF2-40B4-BE49-F238E27FC236}">
+                <a16:creationId xmlns:a16="http://schemas.microsoft.com/office/drawing/2014/main" id="{D5D97046-CC2B-1044-DE4B-B1036CCC8786}"/>
+              </a:ext>
+            </a:extLst>
+          </p:cNvPr>
+          <p:cNvSpPr>
+            <a:spLocks noGrp="1"/>
+          </p:cNvSpPr>
+          <p:nvPr>
+            <p:ph type="title"/>
+          </p:nvPr>
+        </p:nvSpPr>
+        <p:spPr/>
+        <p:txBody>
+          <a:bodyPr/>
+          <a:lstStyle/>
+          <a:p>
+            <a:r>
+              <a:rPr lang="it-IT" dirty="0"/>
+              <a:t>The project</a:t>
+            </a:r>
+          </a:p>
+        </p:txBody>
+      </p:sp>
+      <p:sp>
+        <p:nvSpPr>
+          <p:cNvPr id="3" name="Segnaposto contenuto 2">
+            <a:extLst>
+              <a:ext uri="{FF2B5EF4-FFF2-40B4-BE49-F238E27FC236}">
+                <a16:creationId xmlns:a16="http://schemas.microsoft.com/office/drawing/2014/main" id="{FA485E1F-33C2-4304-97F6-85AC5F962ACE}"/>
+              </a:ext>
+            </a:extLst>
+          </p:cNvPr>
+          <p:cNvSpPr>
+            <a:spLocks noGrp="1"/>
+          </p:cNvSpPr>
+          <p:nvPr>
+            <p:ph idx="1"/>
+          </p:nvPr>
+        </p:nvSpPr>
+        <p:spPr/>
+        <p:txBody>
+          <a:bodyPr/>
+          <a:lstStyle/>
+          <a:p>
+            <a:r>
+              <a:rPr lang="it-IT" dirty="0"/>
+              <a:t>POI - </a:t>
+            </a:r>
+            <a:r>
+              <a:rPr lang="it-IT" dirty="0" err="1"/>
+              <a:t>Shakespeare's</a:t>
+            </a:r>
+            <a:r>
+              <a:rPr lang="it-IT" dirty="0"/>
+              <a:t> Places </a:t>
+            </a:r>
+            <a:r>
+              <a:rPr lang="it-IT" dirty="0" err="1"/>
+              <a:t>is</a:t>
+            </a:r>
+            <a:r>
+              <a:rPr lang="it-IT" dirty="0"/>
+              <a:t> a Single page web </a:t>
+            </a:r>
+            <a:r>
+              <a:rPr lang="it-IT" dirty="0" err="1"/>
+              <a:t>application</a:t>
+            </a:r>
+            <a:r>
+              <a:rPr lang="it-IT" dirty="0"/>
+              <a:t> </a:t>
+            </a:r>
+            <a:r>
+              <a:rPr lang="it-IT" dirty="0" err="1"/>
+              <a:t>that</a:t>
+            </a:r>
+            <a:r>
+              <a:rPr lang="it-IT" dirty="0"/>
+              <a:t> </a:t>
+            </a:r>
+            <a:r>
+              <a:rPr lang="en-US" dirty="0"/>
+              <a:t>connects ten famous Shakespeare’s plays to real-world locations.</a:t>
+            </a:r>
+          </a:p>
+          <a:p>
+            <a:r>
+              <a:rPr lang="en-US" dirty="0"/>
+              <a:t>It was made following the Component-Based Architecture.</a:t>
+            </a:r>
+            <a:endParaRPr lang="it-IT" dirty="0"/>
+          </a:p>
+        </p:txBody>
+      </p:sp>
+    </p:spTree>
+    <p:extLst>
+      <p:ext uri="{BB962C8B-B14F-4D97-AF65-F5344CB8AC3E}">
+        <p14:creationId xmlns:p14="http://schemas.microsoft.com/office/powerpoint/2010/main" val="4185214454"/>
+      </p:ext>
+    </p:extLst>
+  </p:cSld>
+  <p:clrMapOvr>
+    <a:masterClrMapping/>
+  </p:clrMapOvr>
+</p:sld>
+</file>
+
+<file path=ppt/slides/slide3.xml><?xml version="1.0" encoding="utf-8"?>
+<p:sld xmlns:a="http://schemas.openxmlformats.org/drawingml/2006/main" xmlns:r="http://schemas.openxmlformats.org/officeDocument/2006/relationships" xmlns:p="http://schemas.openxmlformats.org/presentationml/2006/main">
+  <p:cSld>
+    <p:spTree>
+      <p:nvGrpSpPr>
+        <p:cNvPr id="1" name=""/>
+        <p:cNvGrpSpPr/>
+        <p:nvPr/>
+      </p:nvGrpSpPr>
+      <p:grpSpPr>
+        <a:xfrm>
+          <a:off x="0" y="0"/>
+          <a:ext cx="0" cy="0"/>
+          <a:chOff x="0" y="0"/>
+          <a:chExt cx="0" cy="0"/>
+        </a:xfrm>
+      </p:grpSpPr>
+      <p:sp>
+        <p:nvSpPr>
+          <p:cNvPr id="2" name="Titolo 1">
+            <a:extLst>
+              <a:ext uri="{FF2B5EF4-FFF2-40B4-BE49-F238E27FC236}">
+                <a16:creationId xmlns:a16="http://schemas.microsoft.com/office/drawing/2014/main" id="{97BDA648-A2A4-F099-339F-B4D6528A7C44}"/>
+              </a:ext>
+            </a:extLst>
+          </p:cNvPr>
+          <p:cNvSpPr>
+            <a:spLocks noGrp="1"/>
+          </p:cNvSpPr>
+          <p:nvPr>
+            <p:ph type="title"/>
+          </p:nvPr>
+        </p:nvSpPr>
+        <p:spPr/>
+        <p:txBody>
+          <a:bodyPr/>
+          <a:lstStyle/>
+          <a:p>
+            <a:r>
+              <a:rPr lang="it-IT" dirty="0" err="1"/>
+              <a:t>What</a:t>
+            </a:r>
+            <a:r>
+              <a:rPr lang="it-IT" dirty="0"/>
+              <a:t> </a:t>
+            </a:r>
+            <a:r>
+              <a:rPr lang="it-IT" dirty="0" err="1"/>
+              <a:t>is</a:t>
+            </a:r>
+            <a:r>
+              <a:rPr lang="it-IT" dirty="0"/>
+              <a:t> a web </a:t>
+            </a:r>
+            <a:r>
+              <a:rPr lang="it-IT" dirty="0" err="1"/>
+              <a:t>application</a:t>
+            </a:r>
+            <a:r>
+              <a:rPr lang="it-IT" dirty="0"/>
+              <a:t>?</a:t>
+            </a:r>
+          </a:p>
+        </p:txBody>
+      </p:sp>
+      <p:sp>
+        <p:nvSpPr>
+          <p:cNvPr id="3" name="Segnaposto contenuto 2">
+            <a:extLst>
+              <a:ext uri="{FF2B5EF4-FFF2-40B4-BE49-F238E27FC236}">
+                <a16:creationId xmlns:a16="http://schemas.microsoft.com/office/drawing/2014/main" id="{D4EE7F75-E9CB-28A1-FD14-FF6AA916CA1F}"/>
+              </a:ext>
+            </a:extLst>
+          </p:cNvPr>
+          <p:cNvSpPr>
+            <a:spLocks noGrp="1"/>
+          </p:cNvSpPr>
+          <p:nvPr>
+            <p:ph idx="1"/>
+          </p:nvPr>
+        </p:nvSpPr>
+        <p:spPr/>
+        <p:txBody>
+          <a:bodyPr>
+            <a:normAutofit lnSpcReduction="10000"/>
+          </a:bodyPr>
+          <a:lstStyle/>
+          <a:p>
+            <a:r>
+              <a:rPr lang="it-IT" dirty="0"/>
+              <a:t>A web </a:t>
+            </a:r>
+            <a:r>
+              <a:rPr lang="it-IT" dirty="0" err="1"/>
+              <a:t>application</a:t>
+            </a:r>
+            <a:r>
+              <a:rPr lang="it-IT" dirty="0"/>
+              <a:t> </a:t>
+            </a:r>
+            <a:r>
+              <a:rPr lang="it-IT" dirty="0" err="1"/>
+              <a:t>is</a:t>
+            </a:r>
+            <a:r>
+              <a:rPr lang="it-IT" dirty="0"/>
+              <a:t> a software (a computer </a:t>
+            </a:r>
+            <a:r>
+              <a:rPr lang="it-IT" dirty="0" err="1"/>
+              <a:t>program</a:t>
+            </a:r>
+            <a:r>
+              <a:rPr lang="it-IT" dirty="0"/>
+              <a:t> </a:t>
+            </a:r>
+            <a:r>
+              <a:rPr lang="it-IT" dirty="0" err="1"/>
+              <a:t>that</a:t>
+            </a:r>
+            <a:r>
+              <a:rPr lang="it-IT" dirty="0"/>
+              <a:t> </a:t>
+            </a:r>
+            <a:r>
+              <a:rPr lang="it-IT" dirty="0" err="1"/>
+              <a:t>has</a:t>
+            </a:r>
+            <a:r>
+              <a:rPr lang="it-IT" dirty="0"/>
+              <a:t> some inputs and some outputs) </a:t>
+            </a:r>
+            <a:r>
+              <a:rPr lang="it-IT" dirty="0" err="1"/>
+              <a:t>that</a:t>
+            </a:r>
+            <a:r>
+              <a:rPr lang="it-IT" dirty="0"/>
+              <a:t> can be </a:t>
+            </a:r>
+            <a:r>
+              <a:rPr lang="it-IT" dirty="0" err="1"/>
+              <a:t>accessed</a:t>
+            </a:r>
+            <a:r>
+              <a:rPr lang="it-IT" dirty="0"/>
+              <a:t> via web.</a:t>
+            </a:r>
+          </a:p>
+          <a:p>
+            <a:r>
+              <a:rPr lang="it-IT" dirty="0"/>
+              <a:t>A user, </a:t>
+            </a:r>
+            <a:r>
+              <a:rPr lang="it-IT" dirty="0" err="1"/>
+              <a:t>using</a:t>
+            </a:r>
+            <a:r>
+              <a:rPr lang="it-IT" dirty="0"/>
+              <a:t> a browser, </a:t>
+            </a:r>
+            <a:r>
+              <a:rPr lang="it-IT" dirty="0" err="1"/>
+              <a:t>sends</a:t>
+            </a:r>
+            <a:r>
+              <a:rPr lang="it-IT" dirty="0"/>
+              <a:t> a </a:t>
+            </a:r>
+            <a:r>
+              <a:rPr lang="it-IT" dirty="0" err="1"/>
+              <a:t>request</a:t>
+            </a:r>
+            <a:r>
+              <a:rPr lang="it-IT" dirty="0"/>
+              <a:t> to a web server (a computer </a:t>
+            </a:r>
+            <a:r>
+              <a:rPr lang="it-IT" dirty="0" err="1"/>
+              <a:t>that</a:t>
+            </a:r>
+            <a:r>
+              <a:rPr lang="it-IT" dirty="0"/>
+              <a:t> </a:t>
+            </a:r>
+            <a:r>
+              <a:rPr lang="it-IT" dirty="0" err="1"/>
+              <a:t>offers</a:t>
+            </a:r>
+            <a:r>
+              <a:rPr lang="it-IT" dirty="0"/>
+              <a:t> services to </a:t>
+            </a:r>
+            <a:r>
+              <a:rPr lang="it-IT" dirty="0" err="1"/>
+              <a:t>other</a:t>
+            </a:r>
+            <a:r>
+              <a:rPr lang="it-IT" dirty="0"/>
+              <a:t> computers) </a:t>
+            </a:r>
+            <a:r>
+              <a:rPr lang="it-IT" dirty="0" err="1"/>
+              <a:t>that</a:t>
+            </a:r>
+            <a:r>
+              <a:rPr lang="it-IT" dirty="0"/>
+              <a:t> </a:t>
+            </a:r>
+            <a:r>
+              <a:rPr lang="it-IT" dirty="0" err="1"/>
+              <a:t>processes</a:t>
+            </a:r>
+            <a:r>
+              <a:rPr lang="it-IT" dirty="0"/>
+              <a:t> the </a:t>
+            </a:r>
+            <a:r>
+              <a:rPr lang="it-IT" dirty="0" err="1"/>
+              <a:t>request</a:t>
+            </a:r>
+            <a:r>
+              <a:rPr lang="it-IT" dirty="0"/>
+              <a:t> and </a:t>
+            </a:r>
+            <a:r>
+              <a:rPr lang="it-IT" dirty="0" err="1"/>
+              <a:t>sends</a:t>
+            </a:r>
+            <a:r>
+              <a:rPr lang="it-IT" dirty="0"/>
+              <a:t> back a </a:t>
+            </a:r>
+            <a:r>
+              <a:rPr lang="it-IT" dirty="0" err="1"/>
+              <a:t>response</a:t>
+            </a:r>
+            <a:r>
+              <a:rPr lang="it-IT" dirty="0"/>
+              <a:t>. The </a:t>
+            </a:r>
+            <a:r>
+              <a:rPr lang="it-IT" dirty="0" err="1"/>
+              <a:t>response</a:t>
+            </a:r>
+            <a:r>
+              <a:rPr lang="it-IT" dirty="0"/>
+              <a:t> </a:t>
+            </a:r>
+            <a:r>
+              <a:rPr lang="it-IT" dirty="0" err="1"/>
+              <a:t>contains</a:t>
+            </a:r>
+            <a:r>
+              <a:rPr lang="it-IT" dirty="0"/>
+              <a:t> an HTML file </a:t>
+            </a:r>
+            <a:r>
+              <a:rPr lang="it-IT" dirty="0" err="1"/>
+              <a:t>that</a:t>
+            </a:r>
+            <a:r>
+              <a:rPr lang="it-IT" dirty="0"/>
+              <a:t> </a:t>
+            </a:r>
+            <a:r>
+              <a:rPr lang="it-IT" dirty="0" err="1"/>
+              <a:t>is</a:t>
+            </a:r>
+            <a:r>
+              <a:rPr lang="it-IT" dirty="0"/>
+              <a:t> </a:t>
+            </a:r>
+            <a:r>
+              <a:rPr lang="it-IT" dirty="0" err="1"/>
+              <a:t>processed</a:t>
+            </a:r>
+            <a:r>
+              <a:rPr lang="it-IT" dirty="0"/>
+              <a:t> by the browser and </a:t>
+            </a:r>
+            <a:r>
+              <a:rPr lang="it-IT" dirty="0" err="1"/>
+              <a:t>then</a:t>
+            </a:r>
+            <a:r>
+              <a:rPr lang="it-IT" dirty="0"/>
+              <a:t> </a:t>
+            </a:r>
+            <a:r>
+              <a:rPr lang="it-IT" dirty="0" err="1"/>
+              <a:t>displayed</a:t>
+            </a:r>
+            <a:r>
+              <a:rPr lang="it-IT" dirty="0"/>
+              <a:t> on screen. The HTML file can have CSS, a </a:t>
+            </a:r>
+            <a:r>
+              <a:rPr lang="it-IT" dirty="0" err="1"/>
+              <a:t>specific</a:t>
+            </a:r>
+            <a:r>
+              <a:rPr lang="it-IT" dirty="0"/>
+              <a:t> code to </a:t>
+            </a:r>
+            <a:r>
+              <a:rPr lang="it-IT" dirty="0" err="1"/>
+              <a:t>change</a:t>
+            </a:r>
+            <a:r>
+              <a:rPr lang="it-IT" dirty="0"/>
+              <a:t> the </a:t>
+            </a:r>
+            <a:r>
+              <a:rPr lang="it-IT" dirty="0" err="1"/>
+              <a:t>graphical</a:t>
+            </a:r>
+            <a:r>
+              <a:rPr lang="it-IT" dirty="0"/>
+              <a:t> style and JavaScript code to let the user </a:t>
+            </a:r>
+            <a:r>
+              <a:rPr lang="it-IT" dirty="0" err="1"/>
+              <a:t>interact</a:t>
+            </a:r>
+            <a:r>
+              <a:rPr lang="it-IT" dirty="0"/>
+              <a:t> with the page</a:t>
+            </a:r>
+          </a:p>
+          <a:p>
+            <a:r>
+              <a:rPr lang="it-IT" dirty="0"/>
+              <a:t>The </a:t>
+            </a:r>
+            <a:r>
+              <a:rPr lang="it-IT" dirty="0" err="1"/>
+              <a:t>application</a:t>
+            </a:r>
+            <a:r>
+              <a:rPr lang="it-IT" dirty="0"/>
+              <a:t> </a:t>
+            </a:r>
+            <a:r>
+              <a:rPr lang="it-IT" dirty="0" err="1"/>
+              <a:t>which</a:t>
+            </a:r>
+            <a:r>
+              <a:rPr lang="it-IT" dirty="0"/>
+              <a:t> </a:t>
+            </a:r>
+            <a:r>
+              <a:rPr lang="it-IT" dirty="0" err="1"/>
+              <a:t>runs</a:t>
+            </a:r>
+            <a:r>
+              <a:rPr lang="it-IT" dirty="0"/>
+              <a:t> in the </a:t>
+            </a:r>
+            <a:r>
+              <a:rPr lang="it-IT" dirty="0" err="1"/>
+              <a:t>user’s</a:t>
+            </a:r>
+            <a:r>
+              <a:rPr lang="it-IT" dirty="0"/>
+              <a:t> browser can </a:t>
+            </a:r>
+            <a:r>
+              <a:rPr lang="it-IT" dirty="0" err="1"/>
+              <a:t>itself</a:t>
+            </a:r>
+            <a:r>
+              <a:rPr lang="it-IT" dirty="0"/>
+              <a:t> </a:t>
+            </a:r>
+            <a:r>
+              <a:rPr lang="it-IT" dirty="0" err="1"/>
+              <a:t>connect</a:t>
+            </a:r>
+            <a:r>
+              <a:rPr lang="it-IT" dirty="0"/>
+              <a:t> to </a:t>
+            </a:r>
+            <a:r>
+              <a:rPr lang="it-IT" dirty="0" err="1"/>
+              <a:t>other</a:t>
+            </a:r>
+            <a:r>
+              <a:rPr lang="it-IT" dirty="0"/>
+              <a:t> servers </a:t>
+            </a:r>
+            <a:r>
+              <a:rPr lang="it-IT" dirty="0" err="1"/>
+              <a:t>that</a:t>
+            </a:r>
+            <a:r>
+              <a:rPr lang="it-IT" dirty="0"/>
+              <a:t> </a:t>
+            </a:r>
+            <a:r>
+              <a:rPr lang="it-IT" dirty="0" err="1"/>
+              <a:t>offers</a:t>
+            </a:r>
+            <a:r>
+              <a:rPr lang="it-IT" dirty="0"/>
+              <a:t> </a:t>
+            </a:r>
+            <a:r>
+              <a:rPr lang="it-IT" dirty="0" err="1"/>
+              <a:t>various</a:t>
+            </a:r>
+            <a:r>
+              <a:rPr lang="it-IT" dirty="0"/>
+              <a:t> </a:t>
+            </a:r>
+            <a:r>
+              <a:rPr lang="it-IT" dirty="0" err="1"/>
+              <a:t>types</a:t>
+            </a:r>
+            <a:r>
+              <a:rPr lang="it-IT" dirty="0"/>
+              <a:t> of services (</a:t>
+            </a:r>
+            <a:r>
+              <a:rPr lang="it-IT" dirty="0" err="1"/>
+              <a:t>maps</a:t>
+            </a:r>
+            <a:r>
+              <a:rPr lang="it-IT" dirty="0"/>
+              <a:t>, storage, </a:t>
+            </a:r>
+            <a:r>
+              <a:rPr lang="it-IT" dirty="0" err="1"/>
+              <a:t>etc</a:t>
+            </a:r>
+            <a:r>
+              <a:rPr lang="it-IT" dirty="0"/>
+              <a:t>…).</a:t>
+            </a:r>
+          </a:p>
+          <a:p>
+            <a:r>
+              <a:rPr lang="it-IT" dirty="0"/>
+              <a:t>A web </a:t>
+            </a:r>
+            <a:r>
+              <a:rPr lang="it-IT" dirty="0" err="1"/>
+              <a:t>application</a:t>
+            </a:r>
+            <a:r>
+              <a:rPr lang="it-IT" dirty="0"/>
+              <a:t> </a:t>
+            </a:r>
+            <a:r>
+              <a:rPr lang="it-IT" dirty="0" err="1"/>
+              <a:t>is</a:t>
+            </a:r>
+            <a:r>
+              <a:rPr lang="it-IT" dirty="0"/>
+              <a:t> made of </a:t>
+            </a:r>
+            <a:r>
+              <a:rPr lang="it-IT" dirty="0" err="1"/>
+              <a:t>two</a:t>
+            </a:r>
+            <a:r>
+              <a:rPr lang="it-IT" dirty="0"/>
+              <a:t> parts:</a:t>
+            </a:r>
+          </a:p>
+          <a:p>
+            <a:pPr marL="749808" lvl="1" indent="-457200"/>
+            <a:r>
+              <a:rPr lang="it-IT" dirty="0"/>
+              <a:t>One running on the server, </a:t>
+            </a:r>
+            <a:r>
+              <a:rPr lang="it-IT" dirty="0" err="1"/>
+              <a:t>that</a:t>
+            </a:r>
+            <a:r>
+              <a:rPr lang="it-IT" dirty="0"/>
+              <a:t> </a:t>
+            </a:r>
+            <a:r>
+              <a:rPr lang="it-IT" dirty="0" err="1"/>
+              <a:t>processes</a:t>
+            </a:r>
+            <a:r>
+              <a:rPr lang="it-IT" dirty="0"/>
+              <a:t> data </a:t>
+            </a:r>
+            <a:r>
+              <a:rPr lang="it-IT" dirty="0" err="1"/>
+              <a:t>sent</a:t>
+            </a:r>
+            <a:r>
+              <a:rPr lang="it-IT" dirty="0"/>
+              <a:t> to it.</a:t>
+            </a:r>
+          </a:p>
+          <a:p>
+            <a:pPr marL="749808" lvl="1" indent="-457200"/>
+            <a:r>
+              <a:rPr lang="it-IT" dirty="0"/>
+              <a:t>One running on the client (</a:t>
+            </a:r>
+            <a:r>
+              <a:rPr lang="it-IT" dirty="0" err="1"/>
+              <a:t>user’s</a:t>
+            </a:r>
+            <a:r>
+              <a:rPr lang="it-IT" dirty="0"/>
+              <a:t> device), </a:t>
+            </a:r>
+            <a:r>
+              <a:rPr lang="it-IT" dirty="0" err="1"/>
+              <a:t>that</a:t>
+            </a:r>
+            <a:r>
+              <a:rPr lang="it-IT" dirty="0"/>
+              <a:t> </a:t>
+            </a:r>
+            <a:r>
+              <a:rPr lang="it-IT" dirty="0" err="1"/>
+              <a:t>interacts</a:t>
+            </a:r>
+            <a:r>
+              <a:rPr lang="it-IT" dirty="0"/>
+              <a:t> with the user and let him </a:t>
+            </a:r>
+            <a:r>
+              <a:rPr lang="it-IT" dirty="0" err="1"/>
+              <a:t>communicate</a:t>
+            </a:r>
+            <a:r>
+              <a:rPr lang="it-IT" dirty="0"/>
+              <a:t> with the server.</a:t>
+            </a:r>
+          </a:p>
+        </p:txBody>
+      </p:sp>
+    </p:spTree>
+    <p:extLst>
+      <p:ext uri="{BB962C8B-B14F-4D97-AF65-F5344CB8AC3E}">
+        <p14:creationId xmlns:p14="http://schemas.microsoft.com/office/powerpoint/2010/main" val="1295445630"/>
+      </p:ext>
+    </p:extLst>
+  </p:cSld>
+  <p:clrMapOvr>
+    <a:masterClrMapping/>
+  </p:clrMapOvr>
+</p:sld>
+</file>
+
+<file path=ppt/slides/slide4.xml><?xml version="1.0" encoding="utf-8"?>
+<p:sld xmlns:a="http://schemas.openxmlformats.org/drawingml/2006/main" xmlns:r="http://schemas.openxmlformats.org/officeDocument/2006/relationships" xmlns:p="http://schemas.openxmlformats.org/presentationml/2006/main">
+  <p:cSld>
+    <p:spTree>
+      <p:nvGrpSpPr>
+        <p:cNvPr id="1" name=""/>
+        <p:cNvGrpSpPr/>
+        <p:nvPr/>
+      </p:nvGrpSpPr>
+      <p:grpSpPr>
+        <a:xfrm>
+          <a:off x="0" y="0"/>
+          <a:ext cx="0" cy="0"/>
+          <a:chOff x="0" y="0"/>
+          <a:chExt cx="0" cy="0"/>
+        </a:xfrm>
+      </p:grpSpPr>
+      <p:sp>
+        <p:nvSpPr>
+          <p:cNvPr id="2" name="Titolo 1">
+            <a:extLst>
+              <a:ext uri="{FF2B5EF4-FFF2-40B4-BE49-F238E27FC236}">
+                <a16:creationId xmlns:a16="http://schemas.microsoft.com/office/drawing/2014/main" id="{950A12F7-EFE2-D580-E062-4FF0BAC2C921}"/>
+              </a:ext>
+            </a:extLst>
+          </p:cNvPr>
+          <p:cNvSpPr>
+            <a:spLocks noGrp="1"/>
+          </p:cNvSpPr>
+          <p:nvPr>
+            <p:ph type="title"/>
+          </p:nvPr>
+        </p:nvSpPr>
+        <p:spPr/>
+        <p:txBody>
+          <a:bodyPr/>
+          <a:lstStyle/>
+          <a:p>
+            <a:r>
+              <a:rPr lang="it-IT" dirty="0"/>
+              <a:t>Web </a:t>
+            </a:r>
+            <a:r>
+              <a:rPr lang="it-IT" dirty="0" err="1"/>
+              <a:t>application</a:t>
+            </a:r>
+            <a:r>
+              <a:rPr lang="it-IT" dirty="0"/>
+              <a:t> schema</a:t>
+            </a:r>
+          </a:p>
+        </p:txBody>
+      </p:sp>
+      <p:sp>
+        <p:nvSpPr>
+          <p:cNvPr id="3" name="Segnaposto contenuto 2">
+            <a:extLst>
+              <a:ext uri="{FF2B5EF4-FFF2-40B4-BE49-F238E27FC236}">
+                <a16:creationId xmlns:a16="http://schemas.microsoft.com/office/drawing/2014/main" id="{57E75401-8D22-80DD-0181-4E4314DD3523}"/>
+              </a:ext>
+            </a:extLst>
+          </p:cNvPr>
+          <p:cNvSpPr>
+            <a:spLocks noGrp="1"/>
+          </p:cNvSpPr>
+          <p:nvPr>
+            <p:ph idx="1"/>
+          </p:nvPr>
+        </p:nvSpPr>
+        <p:spPr/>
+        <p:txBody>
+          <a:bodyPr/>
+          <a:lstStyle/>
+          <a:p>
+            <a:endParaRPr lang="it-IT" dirty="0"/>
+          </a:p>
+        </p:txBody>
+      </p:sp>
+    </p:spTree>
+    <p:extLst>
+      <p:ext uri="{BB962C8B-B14F-4D97-AF65-F5344CB8AC3E}">
+        <p14:creationId xmlns:p14="http://schemas.microsoft.com/office/powerpoint/2010/main" val="1200927252"/>
+      </p:ext>
+    </p:extLst>
+  </p:cSld>
+  <p:clrMapOvr>
+    <a:masterClrMapping/>
+  </p:clrMapOvr>
+</p:sld>
+</file>
+
+<file path=ppt/slides/slide5.xml><?xml version="1.0" encoding="utf-8"?>
+<p:sld xmlns:a="http://schemas.openxmlformats.org/drawingml/2006/main" xmlns:r="http://schemas.openxmlformats.org/officeDocument/2006/relationships" xmlns:p="http://schemas.openxmlformats.org/presentationml/2006/main">
+  <p:cSld>
+    <p:spTree>
+      <p:nvGrpSpPr>
+        <p:cNvPr id="1" name=""/>
+        <p:cNvGrpSpPr/>
+        <p:nvPr/>
+      </p:nvGrpSpPr>
+      <p:grpSpPr>
+        <a:xfrm>
+          <a:off x="0" y="0"/>
+          <a:ext cx="0" cy="0"/>
+          <a:chOff x="0" y="0"/>
+          <a:chExt cx="0" cy="0"/>
+        </a:xfrm>
+      </p:grpSpPr>
+      <p:sp>
+        <p:nvSpPr>
+          <p:cNvPr id="2" name="Titolo 1">
+            <a:extLst>
+              <a:ext uri="{FF2B5EF4-FFF2-40B4-BE49-F238E27FC236}">
+                <a16:creationId xmlns:a16="http://schemas.microsoft.com/office/drawing/2014/main" id="{8A2BAB9E-D5F8-5DA6-0818-459FAB71B314}"/>
+              </a:ext>
+            </a:extLst>
+          </p:cNvPr>
+          <p:cNvSpPr>
+            <a:spLocks noGrp="1"/>
+          </p:cNvSpPr>
+          <p:nvPr>
+            <p:ph type="title"/>
+          </p:nvPr>
+        </p:nvSpPr>
+        <p:spPr/>
+        <p:txBody>
+          <a:bodyPr/>
+          <a:lstStyle/>
+          <a:p>
+            <a:r>
+              <a:rPr lang="it-IT" dirty="0" err="1"/>
+              <a:t>What</a:t>
+            </a:r>
+            <a:r>
+              <a:rPr lang="it-IT" dirty="0"/>
+              <a:t> </a:t>
+            </a:r>
+            <a:r>
+              <a:rPr lang="it-IT" dirty="0" err="1"/>
+              <a:t>is</a:t>
+            </a:r>
+            <a:r>
+              <a:rPr lang="it-IT" dirty="0"/>
+              <a:t> a SPA (Single Page Application)</a:t>
+            </a:r>
+          </a:p>
+        </p:txBody>
+      </p:sp>
+      <p:sp>
+        <p:nvSpPr>
+          <p:cNvPr id="3" name="Segnaposto contenuto 2">
+            <a:extLst>
+              <a:ext uri="{FF2B5EF4-FFF2-40B4-BE49-F238E27FC236}">
+                <a16:creationId xmlns:a16="http://schemas.microsoft.com/office/drawing/2014/main" id="{97DE8D40-32F7-71B2-1FEE-05623983497F}"/>
+              </a:ext>
+            </a:extLst>
+          </p:cNvPr>
+          <p:cNvSpPr>
+            <a:spLocks noGrp="1"/>
+          </p:cNvSpPr>
+          <p:nvPr>
+            <p:ph idx="1"/>
+          </p:nvPr>
+        </p:nvSpPr>
+        <p:spPr/>
+        <p:txBody>
+          <a:bodyPr/>
+          <a:lstStyle/>
+          <a:p>
+            <a:r>
+              <a:rPr lang="it-IT" dirty="0"/>
+              <a:t>A SPA </a:t>
+            </a:r>
+            <a:r>
+              <a:rPr lang="it-IT" dirty="0" err="1"/>
+              <a:t>is</a:t>
+            </a:r>
+            <a:r>
+              <a:rPr lang="it-IT" dirty="0"/>
+              <a:t> a web </a:t>
+            </a:r>
+            <a:r>
+              <a:rPr lang="it-IT" dirty="0" err="1"/>
+              <a:t>application</a:t>
+            </a:r>
+            <a:r>
+              <a:rPr lang="it-IT" dirty="0"/>
+              <a:t>, </a:t>
+            </a:r>
+            <a:r>
+              <a:rPr lang="it-IT" dirty="0" err="1"/>
+              <a:t>written</a:t>
+            </a:r>
+            <a:r>
+              <a:rPr lang="it-IT" dirty="0"/>
+              <a:t> in the JavaScript </a:t>
+            </a:r>
+            <a:r>
+              <a:rPr lang="it-IT" dirty="0" err="1"/>
+              <a:t>language</a:t>
+            </a:r>
+            <a:r>
+              <a:rPr lang="it-IT" dirty="0"/>
+              <a:t>, </a:t>
+            </a:r>
+            <a:r>
+              <a:rPr lang="it-IT" dirty="0" err="1"/>
+              <a:t>which</a:t>
+            </a:r>
+            <a:r>
+              <a:rPr lang="it-IT" dirty="0"/>
+              <a:t> </a:t>
+            </a:r>
+            <a:r>
+              <a:rPr lang="it-IT" dirty="0" err="1"/>
+              <a:t>is</a:t>
+            </a:r>
+            <a:r>
+              <a:rPr lang="it-IT" dirty="0"/>
+              <a:t> made by a single HTML file </a:t>
+            </a:r>
+            <a:r>
+              <a:rPr lang="it-IT" dirty="0" err="1"/>
+              <a:t>that</a:t>
+            </a:r>
+            <a:r>
+              <a:rPr lang="it-IT" dirty="0"/>
+              <a:t> </a:t>
+            </a:r>
+            <a:r>
+              <a:rPr lang="it-IT" dirty="0" err="1"/>
+              <a:t>contains</a:t>
+            </a:r>
+            <a:r>
+              <a:rPr lang="it-IT" dirty="0"/>
+              <a:t> </a:t>
+            </a:r>
+            <a:r>
+              <a:rPr lang="it-IT" dirty="0" err="1"/>
+              <a:t>many</a:t>
+            </a:r>
+            <a:r>
+              <a:rPr lang="it-IT" dirty="0"/>
+              <a:t> «</a:t>
+            </a:r>
+            <a:r>
+              <a:rPr lang="it-IT" dirty="0" err="1"/>
+              <a:t>logical</a:t>
+            </a:r>
+            <a:r>
+              <a:rPr lang="it-IT" dirty="0"/>
+              <a:t> pages» (</a:t>
+            </a:r>
+            <a:r>
+              <a:rPr lang="it-IT" dirty="0" err="1"/>
+              <a:t>which</a:t>
+            </a:r>
+            <a:r>
+              <a:rPr lang="it-IT" dirty="0"/>
+              <a:t> in the </a:t>
+            </a:r>
+            <a:r>
+              <a:rPr lang="it-IT" dirty="0" err="1"/>
+              <a:t>traditional</a:t>
+            </a:r>
+            <a:r>
+              <a:rPr lang="it-IT" dirty="0"/>
+              <a:t> way of making websites </a:t>
+            </a:r>
+            <a:r>
+              <a:rPr lang="it-IT" dirty="0" err="1"/>
+              <a:t>should</a:t>
+            </a:r>
+            <a:r>
+              <a:rPr lang="it-IT" dirty="0"/>
+              <a:t> be in separate HTML files) </a:t>
+            </a:r>
+            <a:r>
+              <a:rPr lang="it-IT" dirty="0" err="1"/>
+              <a:t>shown</a:t>
+            </a:r>
+            <a:r>
+              <a:rPr lang="it-IT" dirty="0"/>
+              <a:t> one </a:t>
+            </a:r>
+            <a:r>
+              <a:rPr lang="it-IT" dirty="0" err="1"/>
+              <a:t>at</a:t>
+            </a:r>
+            <a:r>
+              <a:rPr lang="it-IT" dirty="0"/>
+              <a:t> a time via code.</a:t>
+            </a:r>
+          </a:p>
+          <a:p>
+            <a:r>
+              <a:rPr lang="it-IT" dirty="0"/>
+              <a:t>With </a:t>
+            </a:r>
+            <a:r>
+              <a:rPr lang="it-IT" dirty="0" err="1"/>
+              <a:t>this</a:t>
+            </a:r>
+            <a:r>
+              <a:rPr lang="it-IT" dirty="0"/>
+              <a:t> </a:t>
+            </a:r>
+            <a:r>
+              <a:rPr lang="it-IT" dirty="0" err="1"/>
+              <a:t>type</a:t>
+            </a:r>
+            <a:r>
+              <a:rPr lang="it-IT" dirty="0"/>
+              <a:t> of </a:t>
+            </a:r>
+            <a:r>
+              <a:rPr lang="it-IT" dirty="0" err="1"/>
+              <a:t>applications</a:t>
+            </a:r>
+            <a:r>
+              <a:rPr lang="it-IT" dirty="0"/>
+              <a:t> the loading of the page </a:t>
+            </a:r>
+            <a:r>
+              <a:rPr lang="it-IT" dirty="0" err="1"/>
+              <a:t>is</a:t>
+            </a:r>
+            <a:r>
+              <a:rPr lang="it-IT" dirty="0"/>
+              <a:t> immediate, </a:t>
+            </a:r>
+            <a:r>
+              <a:rPr lang="it-IT" dirty="0" err="1"/>
+              <a:t>because</a:t>
+            </a:r>
+            <a:r>
+              <a:rPr lang="it-IT" dirty="0"/>
+              <a:t> the </a:t>
+            </a:r>
+            <a:r>
+              <a:rPr lang="it-IT" dirty="0" err="1"/>
+              <a:t>request</a:t>
+            </a:r>
+            <a:r>
+              <a:rPr lang="it-IT" dirty="0"/>
+              <a:t> of the HTML file to the server </a:t>
+            </a:r>
+            <a:r>
+              <a:rPr lang="it-IT" dirty="0" err="1"/>
+              <a:t>is</a:t>
+            </a:r>
+            <a:r>
+              <a:rPr lang="it-IT" dirty="0"/>
+              <a:t> made </a:t>
+            </a:r>
+            <a:r>
+              <a:rPr lang="it-IT" dirty="0" err="1"/>
+              <a:t>only</a:t>
+            </a:r>
+            <a:r>
+              <a:rPr lang="it-IT" dirty="0"/>
+              <a:t> once (and </a:t>
+            </a:r>
+            <a:r>
+              <a:rPr lang="it-IT" dirty="0" err="1"/>
+              <a:t>not</a:t>
+            </a:r>
+            <a:r>
+              <a:rPr lang="it-IT" dirty="0"/>
+              <a:t> </a:t>
+            </a:r>
+            <a:r>
+              <a:rPr lang="it-IT" dirty="0" err="1"/>
+              <a:t>every</a:t>
+            </a:r>
+            <a:r>
+              <a:rPr lang="it-IT" dirty="0"/>
+              <a:t> time a link </a:t>
+            </a:r>
+            <a:r>
+              <a:rPr lang="it-IT" dirty="0" err="1"/>
+              <a:t>is</a:t>
+            </a:r>
+            <a:r>
+              <a:rPr lang="it-IT" dirty="0"/>
+              <a:t> </a:t>
+            </a:r>
+            <a:r>
+              <a:rPr lang="it-IT" dirty="0" err="1"/>
+              <a:t>clicked</a:t>
+            </a:r>
+            <a:r>
+              <a:rPr lang="it-IT" dirty="0"/>
+              <a:t>, like in the </a:t>
+            </a:r>
+            <a:r>
+              <a:rPr lang="it-IT" dirty="0" err="1"/>
+              <a:t>traditional</a:t>
+            </a:r>
+            <a:r>
+              <a:rPr lang="it-IT" dirty="0"/>
+              <a:t> way). </a:t>
+            </a:r>
+            <a:r>
+              <a:rPr lang="it-IT"/>
+              <a:t>The </a:t>
+            </a:r>
+            <a:r>
+              <a:rPr lang="it-IT" dirty="0"/>
+              <a:t>user </a:t>
+            </a:r>
+            <a:r>
+              <a:rPr lang="it-IT" dirty="0" err="1"/>
+              <a:t>has</a:t>
+            </a:r>
+            <a:r>
+              <a:rPr lang="it-IT" dirty="0"/>
+              <a:t> the </a:t>
+            </a:r>
+            <a:r>
+              <a:rPr lang="it-IT" dirty="0" err="1"/>
+              <a:t>perception</a:t>
+            </a:r>
+            <a:r>
+              <a:rPr lang="it-IT" dirty="0"/>
+              <a:t> of </a:t>
+            </a:r>
+            <a:r>
+              <a:rPr lang="it-IT" dirty="0" err="1"/>
+              <a:t>using</a:t>
+            </a:r>
+            <a:r>
+              <a:rPr lang="it-IT" dirty="0"/>
+              <a:t> a </a:t>
+            </a:r>
+            <a:r>
+              <a:rPr lang="it-IT" dirty="0" err="1"/>
+              <a:t>local</a:t>
+            </a:r>
+            <a:r>
+              <a:rPr lang="it-IT" dirty="0"/>
+              <a:t> </a:t>
+            </a:r>
+            <a:r>
+              <a:rPr lang="it-IT" dirty="0" err="1"/>
+              <a:t>application</a:t>
+            </a:r>
+            <a:r>
+              <a:rPr lang="it-IT" dirty="0"/>
+              <a:t> and the use of internet connection </a:t>
+            </a:r>
+            <a:r>
+              <a:rPr lang="it-IT" dirty="0" err="1"/>
+              <a:t>is</a:t>
+            </a:r>
+            <a:r>
+              <a:rPr lang="it-IT" dirty="0"/>
+              <a:t> limited to data </a:t>
+            </a:r>
+            <a:r>
+              <a:rPr lang="it-IT" dirty="0" err="1"/>
+              <a:t>exchange</a:t>
+            </a:r>
+            <a:r>
+              <a:rPr lang="it-IT" dirty="0"/>
+              <a:t> with servers.</a:t>
+            </a:r>
+          </a:p>
+        </p:txBody>
+      </p:sp>
+    </p:spTree>
+    <p:extLst>
+      <p:ext uri="{BB962C8B-B14F-4D97-AF65-F5344CB8AC3E}">
+        <p14:creationId xmlns:p14="http://schemas.microsoft.com/office/powerpoint/2010/main" val="427733898"/>
+      </p:ext>
+    </p:extLst>
+  </p:cSld>
+  <p:clrMapOvr>
+    <a:masterClrMapping/>
+  </p:clrMapOvr>
+</p:sld>
+</file>
+
+<file path=ppt/slides/slide6.xml><?xml version="1.0" encoding="utf-8"?>
+<p:sld xmlns:a="http://schemas.openxmlformats.org/drawingml/2006/main" xmlns:r="http://schemas.openxmlformats.org/officeDocument/2006/relationships" xmlns:p="http://schemas.openxmlformats.org/presentationml/2006/main">
+  <p:cSld>
+    <p:bg>
+      <p:bgPr>
+        <a:solidFill>
+          <a:schemeClr val="bg1"/>
+        </a:solidFill>
+        <a:effectLst/>
+      </p:bgPr>
+    </p:bg>
+    <p:spTree>
+      <p:nvGrpSpPr>
+        <p:cNvPr id="1" name=""/>
+        <p:cNvGrpSpPr/>
+        <p:nvPr/>
+      </p:nvGrpSpPr>
+      <p:grpSpPr>
+        <a:xfrm>
+          <a:off x="0" y="0"/>
+          <a:ext cx="0" cy="0"/>
+          <a:chOff x="0" y="0"/>
+          <a:chExt cx="0" cy="0"/>
+        </a:xfrm>
+      </p:grpSpPr>
+      <p:sp>
+        <p:nvSpPr>
+          <p:cNvPr id="44" name="Rectangle 43">
+            <a:extLst>
+              <a:ext uri="{FF2B5EF4-FFF2-40B4-BE49-F238E27FC236}">
+                <a16:creationId xmlns:a16="http://schemas.microsoft.com/office/drawing/2014/main" id="{F240A2FC-E2C3-458D-96B4-5DF9028D93A5}"/>
+              </a:ext>
+              <a:ext uri="{C183D7F6-B498-43B3-948B-1728B52AA6E4}">
+                <adec:decorative xmlns:adec="http://schemas.microsoft.com/office/drawing/2017/decorative" val="1"/>
+              </a:ext>
+            </a:extLst>
+          </p:cNvPr>
+          <p:cNvSpPr>
+            <a:spLocks noGrp="1" noRot="1" noChangeAspect="1" noMove="1" noResize="1" noEditPoints="1" noAdjustHandles="1" noChangeArrowheads="1" noChangeShapeType="1" noTextEdit="1"/>
+          </p:cNvSpPr>
+          <p:nvPr>
+            <p:extLst>
+              <p:ext uri="{386F3935-93C4-4BCD-93E2-E3B085C9AB24}">
+                <p16:designElem xmlns:p16="http://schemas.microsoft.com/office/powerpoint/2015/main" val="1"/>
+              </p:ext>
+            </p:extLst>
+          </p:nvPr>
+        </p:nvSpPr>
+        <p:spPr>
+          <a:xfrm>
+            <a:off x="1" y="6400800"/>
+            <a:ext cx="12192000" cy="457200"/>
+          </a:xfrm>
+          <a:prstGeom prst="rect">
+            <a:avLst/>
+          </a:prstGeom>
+          <a:solidFill>
+            <a:schemeClr val="accent2"/>
+          </a:solidFill>
+          <a:ln>
+            <a:noFill/>
+          </a:ln>
+        </p:spPr>
+        <p:style>
+          <a:lnRef idx="2">
+            <a:schemeClr val="accent1">
+              <a:shade val="50000"/>
+            </a:schemeClr>
+          </a:lnRef>
+          <a:fillRef idx="1">
+            <a:schemeClr val="accent1"/>
+          </a:fillRef>
+          <a:effectRef idx="0">
+            <a:schemeClr val="accent1"/>
+          </a:effectRef>
+          <a:fontRef idx="minor">
+            <a:schemeClr val="lt1"/>
+          </a:fontRef>
+        </p:style>
+        <p:txBody>
+          <a:bodyPr/>
+          <a:lstStyle/>
+          <a:p>
+            <a:endParaRPr lang="it-IT"/>
+          </a:p>
+        </p:txBody>
+      </p:sp>
+      <p:sp>
+        <p:nvSpPr>
+          <p:cNvPr id="46" name="Rectangle 45">
+            <a:extLst>
+              <a:ext uri="{FF2B5EF4-FFF2-40B4-BE49-F238E27FC236}">
+                <a16:creationId xmlns:a16="http://schemas.microsoft.com/office/drawing/2014/main" id="{5F097929-F3D6-4D1F-8AFC-CF348171A9E1}"/>
+              </a:ext>
+              <a:ext uri="{C183D7F6-B498-43B3-948B-1728B52AA6E4}">
+                <adec:decorative xmlns:adec="http://schemas.microsoft.com/office/drawing/2017/decorative" val="1"/>
+              </a:ext>
+            </a:extLst>
+          </p:cNvPr>
+          <p:cNvSpPr>
+            <a:spLocks noGrp="1" noRot="1" noChangeAspect="1" noMove="1" noResize="1" noEditPoints="1" noAdjustHandles="1" noChangeArrowheads="1" noChangeShapeType="1" noTextEdit="1"/>
+          </p:cNvSpPr>
+          <p:nvPr>
+            <p:extLst>
+              <p:ext uri="{386F3935-93C4-4BCD-93E2-E3B085C9AB24}">
+                <p16:designElem xmlns:p16="http://schemas.microsoft.com/office/powerpoint/2015/main" val="1"/>
+              </p:ext>
+            </p:extLst>
+          </p:nvPr>
+        </p:nvSpPr>
+        <p:spPr>
+          <a:xfrm>
+            <a:off x="1" y="6334316"/>
+            <a:ext cx="12192000" cy="66484"/>
+          </a:xfrm>
+          <a:prstGeom prst="rect">
+            <a:avLst/>
+          </a:prstGeom>
+          <a:solidFill>
+            <a:schemeClr val="accent1"/>
+          </a:solidFill>
+          <a:ln>
+            <a:noFill/>
+          </a:ln>
+        </p:spPr>
+        <p:style>
+          <a:lnRef idx="2">
+            <a:schemeClr val="accent1">
+              <a:shade val="50000"/>
+            </a:schemeClr>
+          </a:lnRef>
+          <a:fillRef idx="1">
+            <a:schemeClr val="accent1"/>
+          </a:fillRef>
+          <a:effectRef idx="0">
+            <a:schemeClr val="accent1"/>
+          </a:effectRef>
+          <a:fontRef idx="minor">
+            <a:schemeClr val="lt1"/>
+          </a:fontRef>
+        </p:style>
+        <p:txBody>
+          <a:bodyPr/>
+          <a:lstStyle/>
+          <a:p>
+            <a:endParaRPr lang="it-IT"/>
+          </a:p>
+        </p:txBody>
+      </p:sp>
+      <p:cxnSp>
+        <p:nvCxnSpPr>
+          <p:cNvPr id="48" name="Straight Connector 47">
+            <a:extLst>
+              <a:ext uri="{FF2B5EF4-FFF2-40B4-BE49-F238E27FC236}">
+                <a16:creationId xmlns:a16="http://schemas.microsoft.com/office/drawing/2014/main" id="{43074C91-9045-414B-B5F9-567DAE3EED25}"/>
+              </a:ext>
+              <a:ext uri="{C183D7F6-B498-43B3-948B-1728B52AA6E4}">
+                <adec:decorative xmlns:adec="http://schemas.microsoft.com/office/drawing/2017/decorative" val="1"/>
+              </a:ext>
+            </a:extLst>
+          </p:cNvPr>
+          <p:cNvCxnSpPr>
+            <a:cxnSpLocks noGrp="1" noRot="1" noChangeAspect="1" noMove="1" noResize="1" noEditPoints="1" noAdjustHandles="1" noChangeArrowheads="1" noChangeShapeType="1"/>
+          </p:cNvCxnSpPr>
+          <p:nvPr>
+            <p:extLst>
+              <p:ext uri="{386F3935-93C4-4BCD-93E2-E3B085C9AB24}">
+                <p16:designElem xmlns:p16="http://schemas.microsoft.com/office/powerpoint/2015/main" val="1"/>
+              </p:ext>
+            </p:extLst>
+          </p:nvPr>
+        </p:nvCxnSpPr>
+        <p:spPr>
+          <a:xfrm>
+            <a:off x="1207658" y="4343400"/>
+            <a:ext cx="9875520" cy="0"/>
+          </a:xfrm>
+          <a:prstGeom prst="line">
+            <a:avLst/>
+          </a:prstGeom>
+          <a:ln w="6350">
+            <a:solidFill>
+              <a:schemeClr val="tx1">
+                <a:lumMod val="50000"/>
+                <a:lumOff val="50000"/>
+              </a:schemeClr>
+            </a:solidFill>
+          </a:ln>
+        </p:spPr>
+        <p:style>
+          <a:lnRef idx="1">
+            <a:schemeClr val="accent1"/>
+          </a:lnRef>
+          <a:fillRef idx="0">
+            <a:schemeClr val="accent1"/>
+          </a:fillRef>
+          <a:effectRef idx="0">
+            <a:schemeClr val="accent1"/>
+          </a:effectRef>
+          <a:fontRef idx="minor">
+            <a:schemeClr val="tx1"/>
+          </a:fontRef>
+        </p:style>
+      </p:cxnSp>
+      <p:sp useBgFill="1">
+        <p:nvSpPr>
+          <p:cNvPr id="50" name="Rectangle 49">
+            <a:extLst>
+              <a:ext uri="{FF2B5EF4-FFF2-40B4-BE49-F238E27FC236}">
+                <a16:creationId xmlns:a16="http://schemas.microsoft.com/office/drawing/2014/main" id="{33428ACC-71EC-4171-9527-10983BA6B41D}"/>
+              </a:ext>
+              <a:ext uri="{C183D7F6-B498-43B3-948B-1728B52AA6E4}">
+                <adec:decorative xmlns:adec="http://schemas.microsoft.com/office/drawing/2017/decorative" val="1"/>
+              </a:ext>
+            </a:extLst>
+          </p:cNvPr>
+          <p:cNvSpPr>
+            <a:spLocks noGrp="1" noRot="1" noChangeAspect="1" noMove="1" noResize="1" noEditPoints="1" noAdjustHandles="1" noChangeArrowheads="1" noChangeShapeType="1" noTextEdit="1"/>
+          </p:cNvSpPr>
+          <p:nvPr>
+            <p:extLst>
+              <p:ext uri="{386F3935-93C4-4BCD-93E2-E3B085C9AB24}">
+                <p16:designElem xmlns:p16="http://schemas.microsoft.com/office/powerpoint/2015/main" val="1"/>
+              </p:ext>
+            </p:extLst>
+          </p:nvPr>
+        </p:nvSpPr>
+        <p:spPr>
+          <a:xfrm>
+            <a:off x="0" y="0"/>
+            <a:ext cx="12192001" cy="6334316"/>
+          </a:xfrm>
+          <a:prstGeom prst="rect">
+            <a:avLst/>
+          </a:prstGeom>
+          <a:ln>
+            <a:noFill/>
+          </a:ln>
+        </p:spPr>
+        <p:style>
+          <a:lnRef idx="2">
+            <a:schemeClr val="accent1">
+              <a:shade val="50000"/>
+            </a:schemeClr>
+          </a:lnRef>
+          <a:fillRef idx="1">
+            <a:schemeClr val="accent1"/>
+          </a:fillRef>
+          <a:effectRef idx="0">
+            <a:schemeClr val="accent1"/>
+          </a:effectRef>
+          <a:fontRef idx="minor">
+            <a:schemeClr val="lt1"/>
+          </a:fontRef>
+        </p:style>
+        <p:txBody>
+          <a:bodyPr rtlCol="0" anchor="ctr"/>
+          <a:lstStyle/>
+          <a:p>
+            <a:pPr algn="ctr"/>
+            <a:endParaRPr lang="en-US"/>
+          </a:p>
+        </p:txBody>
+      </p:sp>
+      <p:sp>
+        <p:nvSpPr>
+          <p:cNvPr id="2" name="Titolo 1">
+            <a:extLst>
+              <a:ext uri="{FF2B5EF4-FFF2-40B4-BE49-F238E27FC236}">
+                <a16:creationId xmlns:a16="http://schemas.microsoft.com/office/drawing/2014/main" id="{95504341-239D-A30A-A345-A1DFE46AD5A9}"/>
+              </a:ext>
+            </a:extLst>
+          </p:cNvPr>
+          <p:cNvSpPr>
+            <a:spLocks noGrp="1"/>
+          </p:cNvSpPr>
+          <p:nvPr>
+            <p:ph type="title"/>
+          </p:nvPr>
+        </p:nvSpPr>
+        <p:spPr>
+          <a:xfrm>
+            <a:off x="8141110" y="639097"/>
+            <a:ext cx="3401961" cy="3686015"/>
+          </a:xfrm>
+        </p:spPr>
+        <p:txBody>
+          <a:bodyPr vert="horz" lIns="91440" tIns="45720" rIns="91440" bIns="45720" rtlCol="0" anchor="b">
+            <a:normAutofit/>
+          </a:bodyPr>
+          <a:lstStyle/>
+          <a:p>
+            <a:r>
+              <a:rPr lang="en-US" sz="6100">
+                <a:solidFill>
+                  <a:schemeClr val="tx1">
+                    <a:lumMod val="85000"/>
+                    <a:lumOff val="15000"/>
+                  </a:schemeClr>
+                </a:solidFill>
+              </a:rPr>
+              <a:t>Traditional VS </a:t>
+            </a:r>
+            <a:br>
+              <a:rPr lang="en-US" sz="6100">
+                <a:solidFill>
+                  <a:schemeClr val="tx1">
+                    <a:lumMod val="85000"/>
+                    <a:lumOff val="15000"/>
+                  </a:schemeClr>
+                </a:solidFill>
+              </a:rPr>
+            </a:br>
+            <a:r>
+              <a:rPr lang="en-US" sz="6100">
+                <a:solidFill>
+                  <a:schemeClr val="tx1">
+                    <a:lumMod val="85000"/>
+                    <a:lumOff val="15000"/>
+                  </a:schemeClr>
+                </a:solidFill>
+              </a:rPr>
+              <a:t>SPA</a:t>
+            </a:r>
+          </a:p>
+        </p:txBody>
+      </p:sp>
+      <p:pic>
+        <p:nvPicPr>
+          <p:cNvPr id="9" name="Immagine 8" descr="Immagine che contiene testo, diagramma, schermata, linea&#10;&#10;Descrizione generata automaticamente">
+            <a:extLst>
+              <a:ext uri="{FF2B5EF4-FFF2-40B4-BE49-F238E27FC236}">
+                <a16:creationId xmlns:a16="http://schemas.microsoft.com/office/drawing/2014/main" id="{D96DC775-33DF-6030-C39C-851749F5723D}"/>
+              </a:ext>
+            </a:extLst>
+          </p:cNvPr>
+          <p:cNvPicPr>
+            <a:picLocks noChangeAspect="1"/>
+          </p:cNvPicPr>
+          <p:nvPr/>
+        </p:nvPicPr>
+        <p:blipFill>
+          <a:blip r:embed="rId2"/>
+          <a:stretch>
+            <a:fillRect/>
+          </a:stretch>
+        </p:blipFill>
+        <p:spPr>
+          <a:xfrm>
+            <a:off x="1394558" y="640081"/>
+            <a:ext cx="5391099" cy="5054156"/>
+          </a:xfrm>
+          <a:prstGeom prst="rect">
+            <a:avLst/>
+          </a:prstGeom>
+        </p:spPr>
+      </p:pic>
+      <p:cxnSp>
+        <p:nvCxnSpPr>
+          <p:cNvPr id="52" name="Straight Connector 51">
+            <a:extLst>
+              <a:ext uri="{FF2B5EF4-FFF2-40B4-BE49-F238E27FC236}">
+                <a16:creationId xmlns:a16="http://schemas.microsoft.com/office/drawing/2014/main" id="{BA22713B-ABB6-4391-97F9-0449A2B9B664}"/>
+              </a:ext>
+              <a:ext uri="{C183D7F6-B498-43B3-948B-1728B52AA6E4}">
+                <adec:decorative xmlns:adec="http://schemas.microsoft.com/office/drawing/2017/decorative" val="1"/>
+              </a:ext>
+            </a:extLst>
+          </p:cNvPr>
+          <p:cNvCxnSpPr>
+            <a:cxnSpLocks noGrp="1" noRot="1" noChangeAspect="1" noMove="1" noResize="1" noEditPoints="1" noAdjustHandles="1" noChangeArrowheads="1" noChangeShapeType="1"/>
+          </p:cNvCxnSpPr>
+          <p:nvPr>
+            <p:extLst>
+              <p:ext uri="{386F3935-93C4-4BCD-93E2-E3B085C9AB24}">
+                <p16:designElem xmlns:p16="http://schemas.microsoft.com/office/powerpoint/2015/main" val="1"/>
+              </p:ext>
+            </p:extLst>
+          </p:nvPr>
+        </p:nvCxnSpPr>
+        <p:spPr>
+          <a:xfrm>
+            <a:off x="8209305" y="4343400"/>
+            <a:ext cx="3200400" cy="0"/>
+          </a:xfrm>
+          <a:prstGeom prst="line">
+            <a:avLst/>
+          </a:prstGeom>
+          <a:ln w="6350">
+            <a:solidFill>
+              <a:schemeClr val="tx2">
+                <a:alpha val="90000"/>
+              </a:schemeClr>
+            </a:solidFill>
+          </a:ln>
+        </p:spPr>
+        <p:style>
+          <a:lnRef idx="1">
+            <a:schemeClr val="accent1"/>
+          </a:lnRef>
+          <a:fillRef idx="0">
+            <a:schemeClr val="accent1"/>
+          </a:fillRef>
+          <a:effectRef idx="0">
+            <a:schemeClr val="accent1"/>
+          </a:effectRef>
+          <a:fontRef idx="minor">
+            <a:schemeClr val="tx1"/>
+          </a:fontRef>
+        </p:style>
+      </p:cxnSp>
+      <p:sp>
+        <p:nvSpPr>
+          <p:cNvPr id="54" name="Rectangle 53">
+            <a:extLst>
+              <a:ext uri="{FF2B5EF4-FFF2-40B4-BE49-F238E27FC236}">
+                <a16:creationId xmlns:a16="http://schemas.microsoft.com/office/drawing/2014/main" id="{2B9BBBC4-97A3-47D2-BFFE-A68530CDB9DC}"/>
+              </a:ext>
+              <a:ext uri="{C183D7F6-B498-43B3-948B-1728B52AA6E4}">
+                <adec:decorative xmlns:adec="http://schemas.microsoft.com/office/drawing/2017/decorative" val="1"/>
+              </a:ext>
+            </a:extLst>
+          </p:cNvPr>
+          <p:cNvSpPr>
+            <a:spLocks noGrp="1" noRot="1" noChangeAspect="1" noMove="1" noResize="1" noEditPoints="1" noAdjustHandles="1" noChangeArrowheads="1" noChangeShapeType="1" noTextEdit="1"/>
+          </p:cNvSpPr>
+          <p:nvPr>
+            <p:extLst>
+              <p:ext uri="{386F3935-93C4-4BCD-93E2-E3B085C9AB24}">
+                <p16:designElem xmlns:p16="http://schemas.microsoft.com/office/powerpoint/2015/main" val="1"/>
+              </p:ext>
+            </p:extLst>
+          </p:nvPr>
+        </p:nvSpPr>
+        <p:spPr>
+          <a:xfrm>
+            <a:off x="15" y="6334316"/>
+            <a:ext cx="12191985" cy="66484"/>
+          </a:xfrm>
+          <a:prstGeom prst="rect">
+            <a:avLst/>
+          </a:prstGeom>
+          <a:solidFill>
+            <a:srgbClr val="71BBFF"/>
+          </a:solidFill>
+          <a:ln>
+            <a:noFill/>
+          </a:ln>
+        </p:spPr>
+        <p:style>
+          <a:lnRef idx="2">
+            <a:schemeClr val="accent1">
+              <a:shade val="50000"/>
+            </a:schemeClr>
+          </a:lnRef>
+          <a:fillRef idx="1">
+            <a:schemeClr val="accent1"/>
+          </a:fillRef>
+          <a:effectRef idx="0">
+            <a:schemeClr val="accent1"/>
+          </a:effectRef>
+          <a:fontRef idx="minor">
+            <a:schemeClr val="lt1"/>
+          </a:fontRef>
+        </p:style>
+        <p:txBody>
+          <a:bodyPr/>
+          <a:lstStyle/>
+          <a:p>
+            <a:endParaRPr lang="it-IT"/>
+          </a:p>
+        </p:txBody>
+      </p:sp>
+      <p:sp>
+        <p:nvSpPr>
+          <p:cNvPr id="56" name="Rectangle 55">
+            <a:extLst>
+              <a:ext uri="{FF2B5EF4-FFF2-40B4-BE49-F238E27FC236}">
+                <a16:creationId xmlns:a16="http://schemas.microsoft.com/office/drawing/2014/main" id="{78967BEA-EA6A-4FF1-94E2-B010B61A36A9}"/>
+              </a:ext>
+              <a:ext uri="{C183D7F6-B498-43B3-948B-1728B52AA6E4}">
+                <adec:decorative xmlns:adec="http://schemas.microsoft.com/office/drawing/2017/decorative" val="1"/>
+              </a:ext>
+            </a:extLst>
+          </p:cNvPr>
+          <p:cNvSpPr>
+            <a:spLocks noGrp="1" noRot="1" noChangeAspect="1" noMove="1" noResize="1" noEditPoints="1" noAdjustHandles="1" noChangeArrowheads="1" noChangeShapeType="1" noTextEdit="1"/>
+          </p:cNvSpPr>
+          <p:nvPr>
+            <p:extLst>
+              <p:ext uri="{386F3935-93C4-4BCD-93E2-E3B085C9AB24}">
+                <p16:designElem xmlns:p16="http://schemas.microsoft.com/office/powerpoint/2015/main" val="1"/>
+              </p:ext>
+            </p:extLst>
+          </p:nvPr>
+        </p:nvSpPr>
+        <p:spPr>
+          <a:xfrm>
+            <a:off x="1" y="6400800"/>
+            <a:ext cx="12192000" cy="457200"/>
+          </a:xfrm>
+          <a:prstGeom prst="rect">
+            <a:avLst/>
+          </a:prstGeom>
+          <a:solidFill>
+            <a:schemeClr val="accent2"/>
+          </a:solidFill>
+          <a:ln>
+            <a:noFill/>
+          </a:ln>
+        </p:spPr>
+        <p:style>
+          <a:lnRef idx="2">
+            <a:schemeClr val="accent1">
+              <a:shade val="50000"/>
+            </a:schemeClr>
+          </a:lnRef>
+          <a:fillRef idx="1">
+            <a:schemeClr val="accent1"/>
+          </a:fillRef>
+          <a:effectRef idx="0">
+            <a:schemeClr val="accent1"/>
+          </a:effectRef>
+          <a:fontRef idx="minor">
+            <a:schemeClr val="lt1"/>
+          </a:fontRef>
+        </p:style>
+        <p:txBody>
+          <a:bodyPr/>
+          <a:lstStyle/>
+          <a:p>
+            <a:endParaRPr lang="it-IT"/>
+          </a:p>
+        </p:txBody>
+      </p:sp>
+    </p:spTree>
+    <p:extLst>
+      <p:ext uri="{BB962C8B-B14F-4D97-AF65-F5344CB8AC3E}">
+        <p14:creationId xmlns:p14="http://schemas.microsoft.com/office/powerpoint/2010/main" val="3280784441"/>
+      </p:ext>
+    </p:extLst>
+  </p:cSld>
+  <p:clrMapOvr>
+    <a:masterClrMapping/>
+  </p:clrMapOvr>
+</p:sld>
+</file>
+
+<file path=ppt/slides/slide7.xml><?xml version="1.0" encoding="utf-8"?>
+<p:sld xmlns:a="http://schemas.openxmlformats.org/drawingml/2006/main" xmlns:r="http://schemas.openxmlformats.org/officeDocument/2006/relationships" xmlns:p="http://schemas.openxmlformats.org/presentationml/2006/main">
+  <p:cSld>
+    <p:spTree>
+      <p:nvGrpSpPr>
+        <p:cNvPr id="1" name=""/>
+        <p:cNvGrpSpPr/>
+        <p:nvPr/>
+      </p:nvGrpSpPr>
+      <p:grpSpPr>
+        <a:xfrm>
+          <a:off x="0" y="0"/>
+          <a:ext cx="0" cy="0"/>
+          <a:chOff x="0" y="0"/>
+          <a:chExt cx="0" cy="0"/>
+        </a:xfrm>
+      </p:grpSpPr>
+      <p:sp>
+        <p:nvSpPr>
+          <p:cNvPr id="2" name="Titolo 1">
+            <a:extLst>
+              <a:ext uri="{FF2B5EF4-FFF2-40B4-BE49-F238E27FC236}">
+                <a16:creationId xmlns:a16="http://schemas.microsoft.com/office/drawing/2014/main" id="{819BD3AA-48CB-8E87-2AD6-A80B0F4382A9}"/>
+              </a:ext>
+            </a:extLst>
+          </p:cNvPr>
+          <p:cNvSpPr>
+            <a:spLocks noGrp="1"/>
+          </p:cNvSpPr>
+          <p:nvPr>
+            <p:ph type="title"/>
+          </p:nvPr>
+        </p:nvSpPr>
+        <p:spPr/>
+        <p:txBody>
+          <a:bodyPr/>
+          <a:lstStyle/>
+          <a:p>
+            <a:r>
+              <a:rPr lang="it-IT" dirty="0"/>
+              <a:t>Component-</a:t>
+            </a:r>
+            <a:r>
+              <a:rPr lang="it-IT" dirty="0" err="1"/>
+              <a:t>Based</a:t>
+            </a:r>
+            <a:r>
+              <a:rPr lang="it-IT" dirty="0"/>
+              <a:t> </a:t>
+            </a:r>
+            <a:r>
+              <a:rPr lang="it-IT" dirty="0" err="1"/>
+              <a:t>architecture</a:t>
+            </a:r>
+            <a:endParaRPr lang="it-IT" dirty="0"/>
+          </a:p>
+        </p:txBody>
+      </p:sp>
+      <p:sp>
+        <p:nvSpPr>
+          <p:cNvPr id="3" name="Segnaposto contenuto 2">
+            <a:extLst>
+              <a:ext uri="{FF2B5EF4-FFF2-40B4-BE49-F238E27FC236}">
+                <a16:creationId xmlns:a16="http://schemas.microsoft.com/office/drawing/2014/main" id="{912925AF-C9AE-3071-5B3C-EB8E55D797C8}"/>
+              </a:ext>
+            </a:extLst>
+          </p:cNvPr>
+          <p:cNvSpPr>
+            <a:spLocks noGrp="1"/>
+          </p:cNvSpPr>
+          <p:nvPr>
+            <p:ph idx="1"/>
+          </p:nvPr>
+        </p:nvSpPr>
+        <p:spPr/>
+        <p:txBody>
+          <a:bodyPr/>
+          <a:lstStyle/>
+          <a:p>
+            <a:r>
+              <a:rPr lang="it-IT" dirty="0"/>
+              <a:t>In medium or large software projects </a:t>
+            </a:r>
+            <a:r>
+              <a:rPr lang="it-IT" dirty="0" err="1"/>
+              <a:t>it’s</a:t>
+            </a:r>
+            <a:r>
+              <a:rPr lang="it-IT" dirty="0"/>
+              <a:t> </a:t>
+            </a:r>
+            <a:r>
+              <a:rPr lang="it-IT" dirty="0" err="1"/>
+              <a:t>always</a:t>
+            </a:r>
+            <a:r>
+              <a:rPr lang="it-IT" dirty="0"/>
+              <a:t> a best practice divide the </a:t>
+            </a:r>
+            <a:r>
+              <a:rPr lang="it-IT" dirty="0" err="1"/>
+              <a:t>development</a:t>
+            </a:r>
+            <a:r>
+              <a:rPr lang="it-IT" dirty="0"/>
+              <a:t> of </a:t>
+            </a:r>
+            <a:r>
+              <a:rPr lang="it-IT" dirty="0" err="1"/>
+              <a:t>diffrent</a:t>
+            </a:r>
+            <a:r>
+              <a:rPr lang="it-IT" dirty="0"/>
+              <a:t> feature of the </a:t>
+            </a:r>
+            <a:r>
+              <a:rPr lang="it-IT" dirty="0" err="1"/>
+              <a:t>application</a:t>
+            </a:r>
+            <a:r>
+              <a:rPr lang="it-IT" dirty="0"/>
+              <a:t> in </a:t>
+            </a:r>
+            <a:r>
+              <a:rPr lang="it-IT" dirty="0" err="1"/>
+              <a:t>many</a:t>
+            </a:r>
+            <a:r>
+              <a:rPr lang="it-IT" dirty="0"/>
+              <a:t> </a:t>
+            </a:r>
+            <a:r>
+              <a:rPr lang="it-IT" dirty="0" err="1"/>
+              <a:t>components</a:t>
+            </a:r>
+            <a:r>
+              <a:rPr lang="it-IT" dirty="0"/>
+              <a:t> </a:t>
+            </a:r>
+          </a:p>
+        </p:txBody>
+      </p:sp>
+    </p:spTree>
+    <p:extLst>
+      <p:ext uri="{BB962C8B-B14F-4D97-AF65-F5344CB8AC3E}">
+        <p14:creationId xmlns:p14="http://schemas.microsoft.com/office/powerpoint/2010/main" val="1365463796"/>
+      </p:ext>
+    </p:extLst>
+  </p:cSld>
+  <p:clrMapOvr>
+    <a:masterClrMapping/>
+  </p:clrMapOvr>
+</p:sld>
+</file>
+
 <file path=ppt/theme/theme1.xml><?xml version="1.0" encoding="utf-8"?>
 <a:theme xmlns:a="http://schemas.openxmlformats.org/drawingml/2006/main" name="Retrospettivo">
   <a:themeElements>

--- a/docs/slides/Shakespeare's Places.pptx
+++ b/docs/slides/Shakespeare's Places.pptx
@@ -121,7 +121,7 @@
 <file path=ppt/revisionInfo.xml><?xml version="1.0" encoding="utf-8"?>
 <p1510:revInfo xmlns:a="http://schemas.openxmlformats.org/drawingml/2006/main" xmlns:r="http://schemas.openxmlformats.org/officeDocument/2006/relationships" xmlns:p1510="http://schemas.microsoft.com/office/powerpoint/2015/10/main">
   <p1510:revLst>
-    <p1510:client id="{2DD3C612-5461-4CCE-AA49-88A8DEDF7D3D}" v="4" dt="2025-01-29T17:49:01.015"/>
+    <p1510:client id="{2DD3C612-5461-4CCE-AA49-88A8DEDF7D3D}" v="10" dt="2025-01-30T09:19:58.575"/>
   </p1510:revLst>
 </p1510:revInfo>
 </file>
@@ -131,7 +131,7 @@
   <pc:docChgLst>
     <pc:chgData name="Simone Cecire" userId="c58f73d820186008" providerId="LiveId" clId="{2DD3C612-5461-4CCE-AA49-88A8DEDF7D3D}"/>
     <pc:docChg chg="undo custSel addSld modSld">
-      <pc:chgData name="Simone Cecire" userId="c58f73d820186008" providerId="LiveId" clId="{2DD3C612-5461-4CCE-AA49-88A8DEDF7D3D}" dt="2025-01-29T18:17:29.675" v="2840" actId="20577"/>
+      <pc:chgData name="Simone Cecire" userId="c58f73d820186008" providerId="LiveId" clId="{2DD3C612-5461-4CCE-AA49-88A8DEDF7D3D}" dt="2025-01-30T09:20:10.081" v="2864" actId="1076"/>
       <pc:docMkLst>
         <pc:docMk/>
       </pc:docMkLst>
@@ -196,20 +196,124 @@
           </ac:spMkLst>
         </pc:spChg>
       </pc:sldChg>
-      <pc:sldChg chg="modSp new mod">
-        <pc:chgData name="Simone Cecire" userId="c58f73d820186008" providerId="LiveId" clId="{2DD3C612-5461-4CCE-AA49-88A8DEDF7D3D}" dt="2025-01-29T16:57:16.821" v="1425" actId="20577"/>
+      <pc:sldChg chg="addSp delSp modSp new mod setBg">
+        <pc:chgData name="Simone Cecire" userId="c58f73d820186008" providerId="LiveId" clId="{2DD3C612-5461-4CCE-AA49-88A8DEDF7D3D}" dt="2025-01-30T09:20:10.081" v="2864" actId="1076"/>
         <pc:sldMkLst>
           <pc:docMk/>
           <pc:sldMk cId="1200927252" sldId="259"/>
         </pc:sldMkLst>
         <pc:spChg chg="mod">
-          <ac:chgData name="Simone Cecire" userId="c58f73d820186008" providerId="LiveId" clId="{2DD3C612-5461-4CCE-AA49-88A8DEDF7D3D}" dt="2025-01-29T16:57:16.821" v="1425" actId="20577"/>
+          <ac:chgData name="Simone Cecire" userId="c58f73d820186008" providerId="LiveId" clId="{2DD3C612-5461-4CCE-AA49-88A8DEDF7D3D}" dt="2025-01-30T09:18:50.722" v="2847" actId="26606"/>
           <ac:spMkLst>
             <pc:docMk/>
             <pc:sldMk cId="1200927252" sldId="259"/>
             <ac:spMk id="2" creationId="{950A12F7-EFE2-D580-E062-4FF0BAC2C921}"/>
           </ac:spMkLst>
         </pc:spChg>
+        <pc:spChg chg="del">
+          <ac:chgData name="Simone Cecire" userId="c58f73d820186008" providerId="LiveId" clId="{2DD3C612-5461-4CCE-AA49-88A8DEDF7D3D}" dt="2025-01-30T09:17:30.367" v="2841"/>
+          <ac:spMkLst>
+            <pc:docMk/>
+            <pc:sldMk cId="1200927252" sldId="259"/>
+            <ac:spMk id="3" creationId="{57E75401-8D22-80DD-0181-4E4314DD3523}"/>
+          </ac:spMkLst>
+        </pc:spChg>
+        <pc:spChg chg="add del mod">
+          <ac:chgData name="Simone Cecire" userId="c58f73d820186008" providerId="LiveId" clId="{2DD3C612-5461-4CCE-AA49-88A8DEDF7D3D}" dt="2025-01-30T09:19:58.575" v="2863"/>
+          <ac:spMkLst>
+            <pc:docMk/>
+            <pc:sldMk cId="1200927252" sldId="259"/>
+            <ac:spMk id="7" creationId="{413410CD-AF65-85CA-346A-166563F2F70F}"/>
+          </ac:spMkLst>
+        </pc:spChg>
+        <pc:spChg chg="add del">
+          <ac:chgData name="Simone Cecire" userId="c58f73d820186008" providerId="LiveId" clId="{2DD3C612-5461-4CCE-AA49-88A8DEDF7D3D}" dt="2025-01-30T09:18:50.722" v="2847" actId="26606"/>
+          <ac:spMkLst>
+            <pc:docMk/>
+            <pc:sldMk cId="1200927252" sldId="259"/>
+            <ac:spMk id="13" creationId="{D829E218-74FB-4455-98BE-F2C5BA8978BE}"/>
+          </ac:spMkLst>
+        </pc:spChg>
+        <pc:spChg chg="add del">
+          <ac:chgData name="Simone Cecire" userId="c58f73d820186008" providerId="LiveId" clId="{2DD3C612-5461-4CCE-AA49-88A8DEDF7D3D}" dt="2025-01-30T09:18:50.722" v="2847" actId="26606"/>
+          <ac:spMkLst>
+            <pc:docMk/>
+            <pc:sldMk cId="1200927252" sldId="259"/>
+            <ac:spMk id="15" creationId="{7E8D75FD-D4F9-4D11-B70D-82EFCB4CFA5B}"/>
+          </ac:spMkLst>
+        </pc:spChg>
+        <pc:spChg chg="add del">
+          <ac:chgData name="Simone Cecire" userId="c58f73d820186008" providerId="LiveId" clId="{2DD3C612-5461-4CCE-AA49-88A8DEDF7D3D}" dt="2025-01-30T09:18:50.722" v="2847" actId="26606"/>
+          <ac:spMkLst>
+            <pc:docMk/>
+            <pc:sldMk cId="1200927252" sldId="259"/>
+            <ac:spMk id="19" creationId="{548B4202-DCD5-4F8C-B481-743A989A9DFF}"/>
+          </ac:spMkLst>
+        </pc:spChg>
+        <pc:spChg chg="add del">
+          <ac:chgData name="Simone Cecire" userId="c58f73d820186008" providerId="LiveId" clId="{2DD3C612-5461-4CCE-AA49-88A8DEDF7D3D}" dt="2025-01-30T09:18:50.722" v="2847" actId="26606"/>
+          <ac:spMkLst>
+            <pc:docMk/>
+            <pc:sldMk cId="1200927252" sldId="259"/>
+            <ac:spMk id="23" creationId="{7CFB8C0F-4E01-4C10-A861-0C16EB92D23E}"/>
+          </ac:spMkLst>
+        </pc:spChg>
+        <pc:spChg chg="add del">
+          <ac:chgData name="Simone Cecire" userId="c58f73d820186008" providerId="LiveId" clId="{2DD3C612-5461-4CCE-AA49-88A8DEDF7D3D}" dt="2025-01-30T09:18:50.722" v="2847" actId="26606"/>
+          <ac:spMkLst>
+            <pc:docMk/>
+            <pc:sldMk cId="1200927252" sldId="259"/>
+            <ac:spMk id="25" creationId="{8EE702CF-91CE-4661-ACBF-3C8160D1B433}"/>
+          </ac:spMkLst>
+        </pc:spChg>
+        <pc:picChg chg="add del mod">
+          <ac:chgData name="Simone Cecire" userId="c58f73d820186008" providerId="LiveId" clId="{2DD3C612-5461-4CCE-AA49-88A8DEDF7D3D}" dt="2025-01-30T09:18:14.749" v="2842" actId="21"/>
+          <ac:picMkLst>
+            <pc:docMk/>
+            <pc:sldMk cId="1200927252" sldId="259"/>
+            <ac:picMk id="5" creationId="{DBA8C806-C665-E9CA-6D4F-25FCF66BD679}"/>
+          </ac:picMkLst>
+        </pc:picChg>
+        <pc:picChg chg="add mod modCrop">
+          <ac:chgData name="Simone Cecire" userId="c58f73d820186008" providerId="LiveId" clId="{2DD3C612-5461-4CCE-AA49-88A8DEDF7D3D}" dt="2025-01-30T09:18:50.722" v="2847" actId="26606"/>
+          <ac:picMkLst>
+            <pc:docMk/>
+            <pc:sldMk cId="1200927252" sldId="259"/>
+            <ac:picMk id="8" creationId="{DBA8C806-C665-E9CA-6D4F-25FCF66BD679}"/>
+          </ac:picMkLst>
+        </pc:picChg>
+        <pc:picChg chg="add mod">
+          <ac:chgData name="Simone Cecire" userId="c58f73d820186008" providerId="LiveId" clId="{2DD3C612-5461-4CCE-AA49-88A8DEDF7D3D}" dt="2025-01-30T09:19:57.324" v="2861" actId="14100"/>
+          <ac:picMkLst>
+            <pc:docMk/>
+            <pc:sldMk cId="1200927252" sldId="259"/>
+            <ac:picMk id="9" creationId="{15B9927C-8B3D-261D-9F5A-871A47194A1C}"/>
+          </ac:picMkLst>
+        </pc:picChg>
+        <pc:picChg chg="add mod">
+          <ac:chgData name="Simone Cecire" userId="c58f73d820186008" providerId="LiveId" clId="{2DD3C612-5461-4CCE-AA49-88A8DEDF7D3D}" dt="2025-01-30T09:20:10.081" v="2864" actId="1076"/>
+          <ac:picMkLst>
+            <pc:docMk/>
+            <pc:sldMk cId="1200927252" sldId="259"/>
+            <ac:picMk id="10" creationId="{5F58AEC5-43D6-E068-BBE1-A595E09DEFC6}"/>
+          </ac:picMkLst>
+        </pc:picChg>
+        <pc:cxnChg chg="add del">
+          <ac:chgData name="Simone Cecire" userId="c58f73d820186008" providerId="LiveId" clId="{2DD3C612-5461-4CCE-AA49-88A8DEDF7D3D}" dt="2025-01-30T09:18:50.722" v="2847" actId="26606"/>
+          <ac:cxnSpMkLst>
+            <pc:docMk/>
+            <pc:sldMk cId="1200927252" sldId="259"/>
+            <ac:cxnSpMk id="17" creationId="{1F5DC8C3-BA5F-4EED-BB9A-A14272BD82A1}"/>
+          </ac:cxnSpMkLst>
+        </pc:cxnChg>
+        <pc:cxnChg chg="add del">
+          <ac:chgData name="Simone Cecire" userId="c58f73d820186008" providerId="LiveId" clId="{2DD3C612-5461-4CCE-AA49-88A8DEDF7D3D}" dt="2025-01-30T09:18:50.722" v="2847" actId="26606"/>
+          <ac:cxnSpMkLst>
+            <pc:docMk/>
+            <pc:sldMk cId="1200927252" sldId="259"/>
+            <ac:cxnSpMk id="21" creationId="{F7F57F6B-E621-4E40-A34D-2FE12902AA20}"/>
+          </ac:cxnSpMkLst>
+        </pc:cxnChg>
       </pc:sldChg>
       <pc:sldChg chg="modSp new mod">
         <pc:chgData name="Simone Cecire" userId="c58f73d820186008" providerId="LiveId" clId="{2DD3C612-5461-4CCE-AA49-88A8DEDF7D3D}" dt="2025-01-29T18:17:29.675" v="2840" actId="20577"/>
@@ -671,7 +775,7 @@
           <a:p>
             <a:fld id="{96DFF08F-DC6B-4601-B491-B0F83F6DD2DA}" type="datetimeFigureOut">
               <a:rPr lang="en-US" dirty="0"/>
-              <a:t>1/29/2025</a:t>
+              <a:t>1/30/2025</a:t>
             </a:fld>
             <a:endParaRPr lang="en-US" dirty="0"/>
           </a:p>
@@ -874,7 +978,7 @@
           <a:p>
             <a:fld id="{96DFF08F-DC6B-4601-B491-B0F83F6DD2DA}" type="datetimeFigureOut">
               <a:rPr lang="en-US" dirty="0"/>
-              <a:t>1/29/2025</a:t>
+              <a:t>1/30/2025</a:t>
             </a:fld>
             <a:endParaRPr lang="en-US" dirty="0"/>
           </a:p>
@@ -1125,7 +1229,7 @@
           <a:p>
             <a:fld id="{96DFF08F-DC6B-4601-B491-B0F83F6DD2DA}" type="datetimeFigureOut">
               <a:rPr lang="en-US" dirty="0"/>
-              <a:t>1/29/2025</a:t>
+              <a:t>1/30/2025</a:t>
             </a:fld>
             <a:endParaRPr lang="en-US" dirty="0"/>
           </a:p>
@@ -1290,7 +1394,7 @@
           <a:p>
             <a:fld id="{D62CEF3B-A037-46D0-B02C-1428F07E9383}" type="datetimeFigureOut">
               <a:rPr lang="en-US" dirty="0"/>
-              <a:t>1/29/2025</a:t>
+              <a:t>1/30/2025</a:t>
             </a:fld>
             <a:endParaRPr lang="en-US" dirty="0"/>
           </a:p>
@@ -1628,7 +1732,7 @@
           <a:p>
             <a:fld id="{96DFF08F-DC6B-4601-B491-B0F83F6DD2DA}" type="datetimeFigureOut">
               <a:rPr lang="en-US" dirty="0"/>
-              <a:t>1/29/2025</a:t>
+              <a:t>1/30/2025</a:t>
             </a:fld>
             <a:endParaRPr lang="en-US" dirty="0"/>
           </a:p>
@@ -1898,7 +2002,7 @@
           <a:p>
             <a:fld id="{96DFF08F-DC6B-4601-B491-B0F83F6DD2DA}" type="datetimeFigureOut">
               <a:rPr lang="en-US" dirty="0"/>
-              <a:t>1/29/2025</a:t>
+              <a:t>1/30/2025</a:t>
             </a:fld>
             <a:endParaRPr lang="en-US" dirty="0"/>
           </a:p>
@@ -2272,7 +2376,7 @@
           <a:p>
             <a:fld id="{96DFF08F-DC6B-4601-B491-B0F83F6DD2DA}" type="datetimeFigureOut">
               <a:rPr lang="en-US" dirty="0"/>
-              <a:t>1/29/2025</a:t>
+              <a:t>1/30/2025</a:t>
             </a:fld>
             <a:endParaRPr lang="en-US" dirty="0"/>
           </a:p>
@@ -2385,7 +2489,7 @@
           <a:p>
             <a:fld id="{96DFF08F-DC6B-4601-B491-B0F83F6DD2DA}" type="datetimeFigureOut">
               <a:rPr lang="en-US" dirty="0"/>
-              <a:t>1/29/2025</a:t>
+              <a:t>1/30/2025</a:t>
             </a:fld>
             <a:endParaRPr lang="en-US" dirty="0"/>
           </a:p>
@@ -2552,7 +2656,7 @@
             <a:fld id="{96DFF08F-DC6B-4601-B491-B0F83F6DD2DA}" type="datetimeFigureOut">
               <a:rPr lang="en-US" dirty="0"/>
               <a:pPr/>
-              <a:t>1/29/2025</a:t>
+              <a:t>1/30/2025</a:t>
             </a:fld>
             <a:endParaRPr lang="en-US" dirty="0"/>
           </a:p>
@@ -2903,7 +3007,7 @@
             <a:fld id="{96DFF08F-DC6B-4601-B491-B0F83F6DD2DA}" type="datetimeFigureOut">
               <a:rPr lang="en-US" dirty="0"/>
               <a:pPr/>
-              <a:t>1/29/2025</a:t>
+              <a:t>1/30/2025</a:t>
             </a:fld>
             <a:endParaRPr lang="en-US" dirty="0"/>
           </a:p>
@@ -3276,7 +3380,7 @@
           <a:p>
             <a:fld id="{96DFF08F-DC6B-4601-B491-B0F83F6DD2DA}" type="datetimeFigureOut">
               <a:rPr lang="en-US" dirty="0"/>
-              <a:t>1/29/2025</a:t>
+              <a:t>1/30/2025</a:t>
             </a:fld>
             <a:endParaRPr lang="en-US" dirty="0"/>
           </a:p>
@@ -3559,7 +3663,7 @@
             <a:fld id="{96DFF08F-DC6B-4601-B491-B0F83F6DD2DA}" type="datetimeFigureOut">
               <a:rPr lang="en-US" dirty="0"/>
               <a:pPr/>
-              <a:t>1/29/2025</a:t>
+              <a:t>1/30/2025</a:t>
             </a:fld>
             <a:endParaRPr lang="en-US" dirty="0"/>
           </a:p>
@@ -4890,31 +4994,35 @@
           </a:p>
         </p:txBody>
       </p:sp>
-      <p:sp>
-        <p:nvSpPr>
-          <p:cNvPr id="3" name="Segnaposto contenuto 2">
+      <p:pic>
+        <p:nvPicPr>
+          <p:cNvPr id="10" name="Segnaposto contenuto 4">
             <a:extLst>
               <a:ext uri="{FF2B5EF4-FFF2-40B4-BE49-F238E27FC236}">
-                <a16:creationId xmlns:a16="http://schemas.microsoft.com/office/drawing/2014/main" id="{57E75401-8D22-80DD-0181-4E4314DD3523}"/>
+                <a16:creationId xmlns:a16="http://schemas.microsoft.com/office/drawing/2014/main" id="{5F58AEC5-43D6-E068-BBE1-A595E09DEFC6}"/>
               </a:ext>
             </a:extLst>
           </p:cNvPr>
-          <p:cNvSpPr>
-            <a:spLocks noGrp="1"/>
-          </p:cNvSpPr>
+          <p:cNvPicPr>
+            <a:picLocks noGrp="1" noChangeAspect="1"/>
+          </p:cNvPicPr>
           <p:nvPr>
             <p:ph idx="1"/>
           </p:nvPr>
-        </p:nvSpPr>
-        <p:spPr/>
-        <p:txBody>
-          <a:bodyPr/>
-          <a:lstStyle/>
-          <a:p>
-            <a:endParaRPr lang="it-IT" dirty="0"/>
-          </a:p>
-        </p:txBody>
-      </p:sp>
+        </p:nvPicPr>
+        <p:blipFill>
+          <a:blip r:embed="rId2"/>
+          <a:stretch>
+            <a:fillRect/>
+          </a:stretch>
+        </p:blipFill>
+        <p:spPr>
+          <a:xfrm>
+            <a:off x="2924175" y="2463166"/>
+            <a:ext cx="6343650" cy="2657475"/>
+          </a:xfrm>
+        </p:spPr>
+      </p:pic>
     </p:spTree>
     <p:extLst>
       <p:ext uri="{BB962C8B-B14F-4D97-AF65-F5344CB8AC3E}">
